--- a/SDD 관련 자료/작업 결과물/처리 모형도/강의평가질문조회.pptx
+++ b/SDD 관련 자료/작업 결과물/처리 모형도/강의평가질문조회.pptx
@@ -3159,15 +3159,7 @@
                   <a:sysClr val="windowText" lastClr="000000"/>
                 </a:solidFill>
               </a:rPr>
-              <a:t>강의평가 질문 </a:t>
-            </a:r>
-            <a:r>
-              <a:rPr lang="ko-KR" altLang="en-US" sz="1100" dirty="0" smtClean="0">
-                <a:solidFill>
-                  <a:sysClr val="windowText" lastClr="000000"/>
-                </a:solidFill>
-              </a:rPr>
-              <a:t>조회 처리</a:t>
+              <a:t>강의평가 질문 조회 처리</a:t>
             </a:r>
             <a:endParaRPr lang="ko-KR" altLang="en-US" sz="1100" dirty="0">
               <a:solidFill>
@@ -3713,15 +3705,7 @@
                   <a:sysClr val="windowText" lastClr="000000"/>
                 </a:solidFill>
               </a:rPr>
-              <a:t>강의평가 질문 </a:t>
-            </a:r>
-            <a:r>
-              <a:rPr lang="ko-KR" altLang="en-US" sz="1100" dirty="0" smtClean="0">
-                <a:solidFill>
-                  <a:sysClr val="windowText" lastClr="000000"/>
-                </a:solidFill>
-              </a:rPr>
-              <a:t>조회</a:t>
+              <a:t>강의평가 질문 조회</a:t>
             </a:r>
             <a:endParaRPr lang="ko-KR" altLang="en-US" sz="1100" dirty="0">
               <a:solidFill>
@@ -4273,11 +4257,7 @@
           <a:p>
             <a:r>
               <a:rPr lang="ko-KR" altLang="en-US" sz="1100" dirty="0" smtClean="0"/>
-              <a:t>강의평가 질문 </a:t>
-            </a:r>
-            <a:r>
-              <a:rPr lang="ko-KR" altLang="en-US" sz="1100" dirty="0" smtClean="0"/>
-              <a:t>리스트 데이터</a:t>
+              <a:t>강의평가 질문 리스트 데이터</a:t>
             </a:r>
             <a:endParaRPr lang="ko-KR" altLang="en-US" sz="1600" dirty="0"/>
           </a:p>
@@ -4440,15 +4420,135 @@
           <a:p>
             <a:r>
               <a:rPr lang="ko-KR" altLang="en-US" sz="1100" dirty="0" smtClean="0"/>
-              <a:t>결과</a:t>
-            </a:r>
-            <a:r>
-              <a:rPr lang="ko-KR" altLang="en-US" sz="1100" dirty="0" smtClean="0"/>
-              <a:t> </a:t>
-            </a:r>
-            <a:r>
-              <a:rPr lang="ko-KR" altLang="en-US" sz="1100" dirty="0" smtClean="0"/>
-              <a:t>데이터</a:t>
+              <a:t>결과 데이터</a:t>
+            </a:r>
+            <a:endParaRPr lang="ko-KR" altLang="en-US" sz="1600" dirty="0"/>
+          </a:p>
+        </p:txBody>
+      </p:sp>
+      <p:grpSp>
+        <p:nvGrpSpPr>
+          <p:cNvPr id="39" name="그룹 38"/>
+          <p:cNvGrpSpPr/>
+          <p:nvPr/>
+        </p:nvGrpSpPr>
+        <p:grpSpPr>
+          <a:xfrm rot="12890091">
+            <a:off x="6163435" y="2107816"/>
+            <a:ext cx="465295" cy="429840"/>
+            <a:chOff x="5764817" y="2081712"/>
+            <a:chExt cx="465295" cy="429840"/>
+          </a:xfrm>
+        </p:grpSpPr>
+        <p:sp>
+          <p:nvSpPr>
+            <p:cNvPr id="40" name="타원 39"/>
+            <p:cNvSpPr/>
+            <p:nvPr/>
+          </p:nvSpPr>
+          <p:spPr>
+            <a:xfrm>
+              <a:off x="5764817" y="2081712"/>
+              <a:ext cx="254984" cy="254984"/>
+            </a:xfrm>
+            <a:prstGeom prst="ellipse">
+              <a:avLst/>
+            </a:prstGeom>
+            <a:solidFill>
+              <a:schemeClr val="accent1"/>
+            </a:solidFill>
+            <a:ln w="38100">
+              <a:solidFill>
+                <a:schemeClr val="accent1"/>
+              </a:solidFill>
+            </a:ln>
+          </p:spPr>
+          <p:style>
+            <a:lnRef idx="2">
+              <a:schemeClr val="accent1">
+                <a:shade val="50000"/>
+              </a:schemeClr>
+            </a:lnRef>
+            <a:fillRef idx="1">
+              <a:schemeClr val="accent1"/>
+            </a:fillRef>
+            <a:effectRef idx="0">
+              <a:schemeClr val="accent1"/>
+            </a:effectRef>
+            <a:fontRef idx="minor">
+              <a:schemeClr val="lt1"/>
+            </a:fontRef>
+          </p:style>
+          <p:txBody>
+            <a:bodyPr rtlCol="0" anchor="ctr"/>
+            <a:lstStyle/>
+            <a:p>
+              <a:pPr algn="ctr"/>
+              <a:endParaRPr lang="ko-KR" altLang="en-US"/>
+            </a:p>
+          </p:txBody>
+        </p:sp>
+        <p:cxnSp>
+          <p:nvCxnSpPr>
+            <p:cNvPr id="41" name="직선 연결선 40"/>
+            <p:cNvCxnSpPr>
+              <a:endCxn id="40" idx="5"/>
+            </p:cNvCxnSpPr>
+            <p:nvPr/>
+          </p:nvCxnSpPr>
+          <p:spPr>
+            <a:xfrm flipH="1" flipV="1">
+              <a:off x="5982459" y="2299354"/>
+              <a:ext cx="247653" cy="212198"/>
+            </a:xfrm>
+            <a:prstGeom prst="line">
+              <a:avLst/>
+            </a:prstGeom>
+            <a:ln w="38100">
+              <a:headEnd type="stealth" w="lg" len="lg"/>
+            </a:ln>
+          </p:spPr>
+          <p:style>
+            <a:lnRef idx="1">
+              <a:schemeClr val="accent1"/>
+            </a:lnRef>
+            <a:fillRef idx="0">
+              <a:schemeClr val="accent1"/>
+            </a:fillRef>
+            <a:effectRef idx="0">
+              <a:schemeClr val="accent1"/>
+            </a:effectRef>
+            <a:fontRef idx="minor">
+              <a:schemeClr val="tx1"/>
+            </a:fontRef>
+          </p:style>
+        </p:cxnSp>
+      </p:grpSp>
+      <p:sp>
+        <p:nvSpPr>
+          <p:cNvPr id="42" name="TextBox 41"/>
+          <p:cNvSpPr txBox="1"/>
+          <p:nvPr/>
+        </p:nvSpPr>
+        <p:spPr>
+          <a:xfrm>
+            <a:off x="6508268" y="2381542"/>
+            <a:ext cx="514885" cy="261610"/>
+          </a:xfrm>
+          <a:prstGeom prst="rect">
+            <a:avLst/>
+          </a:prstGeom>
+          <a:noFill/>
+        </p:spPr>
+        <p:txBody>
+          <a:bodyPr wrap="none" rtlCol="0">
+            <a:spAutoFit/>
+          </a:bodyPr>
+          <a:lstStyle/>
+          <a:p>
+            <a:r>
+              <a:rPr lang="en-US" altLang="ko-KR" sz="1100" dirty="0" smtClean="0"/>
+              <a:t>FLAG</a:t>
             </a:r>
             <a:endParaRPr lang="ko-KR" altLang="en-US" sz="1600" dirty="0"/>
           </a:p>

--- a/SDD 관련 자료/작업 결과물/처리 모형도/강의평가질문조회.pptx
+++ b/SDD 관련 자료/작업 결과물/처리 모형도/강의평가질문조회.pptx
@@ -3067,50 +3067,6 @@
       </p:cxnSp>
       <p:sp>
         <p:nvSpPr>
-          <p:cNvPr id="7" name="원호 6"/>
-          <p:cNvSpPr/>
-          <p:nvPr/>
-        </p:nvSpPr>
-        <p:spPr>
-          <a:xfrm>
-            <a:off x="3853938" y="349160"/>
-            <a:ext cx="3454360" cy="1042903"/>
-          </a:xfrm>
-          <a:prstGeom prst="arc">
-            <a:avLst>
-              <a:gd name="adj1" fmla="val 938150"/>
-              <a:gd name="adj2" fmla="val 10098641"/>
-            </a:avLst>
-          </a:prstGeom>
-          <a:ln w="38100">
-            <a:headEnd type="stealth" w="lg" len="lg"/>
-          </a:ln>
-        </p:spPr>
-        <p:style>
-          <a:lnRef idx="1">
-            <a:schemeClr val="accent1"/>
-          </a:lnRef>
-          <a:fillRef idx="0">
-            <a:schemeClr val="accent1"/>
-          </a:fillRef>
-          <a:effectRef idx="0">
-            <a:schemeClr val="accent1"/>
-          </a:effectRef>
-          <a:fontRef idx="minor">
-            <a:schemeClr val="tx1"/>
-          </a:fontRef>
-        </p:style>
-        <p:txBody>
-          <a:bodyPr rtlCol="0" anchor="ctr"/>
-          <a:lstStyle/>
-          <a:p>
-            <a:pPr algn="ctr"/>
-            <a:endParaRPr lang="ko-KR" altLang="en-US" sz="1100" dirty="0"/>
-          </a:p>
-        </p:txBody>
-      </p:sp>
-      <p:sp>
-        <p:nvSpPr>
           <p:cNvPr id="8" name="직사각형 7"/>
           <p:cNvSpPr/>
           <p:nvPr/>
@@ -3403,8 +3359,8 @@
         </p:nvSpPr>
         <p:spPr>
           <a:xfrm rot="2557281">
-            <a:off x="7101422" y="2028992"/>
-            <a:ext cx="2026517" cy="261610"/>
+            <a:off x="7076576" y="2028992"/>
+            <a:ext cx="2076209" cy="261610"/>
           </a:xfrm>
           <a:prstGeom prst="rect">
             <a:avLst/>
@@ -3419,15 +3375,15 @@
           <a:p>
             <a:r>
               <a:rPr lang="ko-KR" altLang="en-US" sz="1100" dirty="0" smtClean="0"/>
-              <a:t>조회된 강의평가</a:t>
-            </a:r>
-            <a:r>
-              <a:rPr lang="en-US" altLang="ko-KR" sz="1100" dirty="0"/>
+              <a:t>강의평가</a:t>
+            </a:r>
+            <a:r>
+              <a:rPr lang="en-US" altLang="ko-KR" sz="1100" dirty="0" smtClean="0"/>
               <a:t> </a:t>
             </a:r>
             <a:r>
               <a:rPr lang="ko-KR" altLang="en-US" sz="1100" dirty="0" smtClean="0"/>
-              <a:t>질문 데이터</a:t>
+              <a:t>질문 조회 결과 정보</a:t>
             </a:r>
             <a:endParaRPr lang="ko-KR" altLang="en-US" sz="1600" dirty="0"/>
           </a:p>
@@ -3553,7 +3509,15 @@
           <a:p>
             <a:r>
               <a:rPr lang="ko-KR" altLang="en-US" sz="1100" dirty="0" smtClean="0"/>
-              <a:t>조회할 강의평가 질문 데이터</a:t>
+              <a:t>강의평가 </a:t>
+            </a:r>
+            <a:r>
+              <a:rPr lang="ko-KR" altLang="en-US" sz="1100" dirty="0" smtClean="0"/>
+              <a:t>질문 </a:t>
+            </a:r>
+            <a:r>
+              <a:rPr lang="ko-KR" altLang="en-US" sz="1100" dirty="0" smtClean="0"/>
+              <a:t>조회 정보</a:t>
             </a:r>
             <a:endParaRPr lang="ko-KR" altLang="en-US" sz="1600" dirty="0"/>
           </a:p>
@@ -3819,8 +3783,8 @@
         </p:nvSpPr>
         <p:spPr>
           <a:xfrm rot="15427772">
-            <a:off x="4721087" y="1814590"/>
-            <a:ext cx="1271502" cy="430887"/>
+            <a:off x="4745933" y="1814590"/>
+            <a:ext cx="1221809" cy="430887"/>
           </a:xfrm>
           <a:prstGeom prst="rect">
             <a:avLst/>
@@ -3842,7 +3806,11 @@
           <a:p>
             <a:r>
               <a:rPr lang="ko-KR" altLang="en-US" sz="1100" dirty="0" smtClean="0"/>
-              <a:t>질문 결과 데이터</a:t>
+              <a:t>질문 결과 </a:t>
+            </a:r>
+            <a:r>
+              <a:rPr lang="ko-KR" altLang="en-US" sz="1100" dirty="0" smtClean="0"/>
+              <a:t>정보</a:t>
             </a:r>
             <a:endParaRPr lang="ko-KR" altLang="en-US" sz="1600" dirty="0"/>
           </a:p>
@@ -4257,7 +4225,11 @@
           <a:p>
             <a:r>
               <a:rPr lang="ko-KR" altLang="en-US" sz="1100" dirty="0" smtClean="0"/>
-              <a:t>강의평가 질문 리스트 데이터</a:t>
+              <a:t>강의평가 질문 리스트 </a:t>
+            </a:r>
+            <a:r>
+              <a:rPr lang="ko-KR" altLang="en-US" sz="1100" dirty="0" smtClean="0"/>
+              <a:t>정보</a:t>
             </a:r>
             <a:endParaRPr lang="ko-KR" altLang="en-US" sz="1600" dirty="0"/>
           </a:p>
@@ -4420,7 +4392,11 @@
           <a:p>
             <a:r>
               <a:rPr lang="ko-KR" altLang="en-US" sz="1100" dirty="0" smtClean="0"/>
-              <a:t>결과 데이터</a:t>
+              <a:t>결과 </a:t>
+            </a:r>
+            <a:r>
+              <a:rPr lang="ko-KR" altLang="en-US" sz="1100" dirty="0" smtClean="0"/>
+              <a:t>정보</a:t>
             </a:r>
             <a:endParaRPr lang="ko-KR" altLang="en-US" sz="1600" dirty="0"/>
           </a:p>
@@ -4532,8 +4508,8 @@
         </p:nvSpPr>
         <p:spPr>
           <a:xfrm>
-            <a:off x="6508268" y="2381542"/>
-            <a:ext cx="514885" cy="261610"/>
+            <a:off x="6526171" y="2311980"/>
+            <a:ext cx="798617" cy="430887"/>
           </a:xfrm>
           <a:prstGeom prst="rect">
             <a:avLst/>
@@ -4547,8 +4523,15 @@
           <a:lstStyle/>
           <a:p>
             <a:r>
-              <a:rPr lang="en-US" altLang="ko-KR" sz="1100" dirty="0" smtClean="0"/>
-              <a:t>FLAG</a:t>
+              <a:rPr lang="ko-KR" altLang="en-US" sz="1100" dirty="0" smtClean="0"/>
+              <a:t>조회</a:t>
+            </a:r>
+            <a:endParaRPr lang="en-US" altLang="ko-KR" sz="1100" dirty="0" smtClean="0"/>
+          </a:p>
+          <a:p>
+            <a:r>
+              <a:rPr lang="ko-KR" altLang="en-US" sz="1100" dirty="0" smtClean="0"/>
+              <a:t>성공 여부</a:t>
             </a:r>
             <a:endParaRPr lang="ko-KR" altLang="en-US" sz="1600" dirty="0"/>
           </a:p>

--- a/SDD 관련 자료/작업 결과물/처리 모형도/강의평가질문조회.pptx
+++ b/SDD 관련 자료/작업 결과물/처리 모형도/강의평가질문조회.pptx
@@ -154,10 +154,9 @@
           </a:lstStyle>
           <a:p>
             <a:r>
-              <a:rPr lang="ko-KR" altLang="en-US" smtClean="0"/>
+              <a:rPr lang="ko-KR" altLang="en-US"/>
               <a:t>마스터 제목 스타일 편집</a:t>
             </a:r>
-            <a:endParaRPr lang="ko-KR" altLang="en-US"/>
           </a:p>
         </p:txBody>
       </p:sp>
@@ -219,10 +218,9 @@
           </a:lstStyle>
           <a:p>
             <a:r>
-              <a:rPr lang="ko-KR" altLang="en-US" smtClean="0"/>
+              <a:rPr lang="ko-KR" altLang="en-US"/>
               <a:t>클릭하여 마스터 부제목 스타일 편집</a:t>
             </a:r>
-            <a:endParaRPr lang="ko-KR" altLang="en-US"/>
           </a:p>
         </p:txBody>
       </p:sp>
@@ -337,10 +335,9 @@
           <a:lstStyle/>
           <a:p>
             <a:r>
-              <a:rPr lang="ko-KR" altLang="en-US" smtClean="0"/>
+              <a:rPr lang="ko-KR" altLang="en-US"/>
               <a:t>마스터 제목 스타일 편집</a:t>
             </a:r>
-            <a:endParaRPr lang="ko-KR" altLang="en-US"/>
           </a:p>
         </p:txBody>
       </p:sp>
@@ -361,38 +358,37 @@
           <a:p>
             <a:pPr lvl="0"/>
             <a:r>
-              <a:rPr lang="ko-KR" altLang="en-US" smtClean="0"/>
+              <a:rPr lang="ko-KR" altLang="en-US"/>
               <a:t>마스터 텍스트 스타일 편집</a:t>
             </a:r>
           </a:p>
           <a:p>
             <a:pPr lvl="1"/>
             <a:r>
-              <a:rPr lang="ko-KR" altLang="en-US" smtClean="0"/>
+              <a:rPr lang="ko-KR" altLang="en-US"/>
               <a:t>둘째 수준</a:t>
             </a:r>
           </a:p>
           <a:p>
             <a:pPr lvl="2"/>
             <a:r>
-              <a:rPr lang="ko-KR" altLang="en-US" smtClean="0"/>
+              <a:rPr lang="ko-KR" altLang="en-US"/>
               <a:t>셋째 수준</a:t>
             </a:r>
           </a:p>
           <a:p>
             <a:pPr lvl="3"/>
             <a:r>
-              <a:rPr lang="ko-KR" altLang="en-US" smtClean="0"/>
+              <a:rPr lang="ko-KR" altLang="en-US"/>
               <a:t>넷째 수준</a:t>
             </a:r>
           </a:p>
           <a:p>
             <a:pPr lvl="4"/>
             <a:r>
-              <a:rPr lang="ko-KR" altLang="en-US" smtClean="0"/>
+              <a:rPr lang="ko-KR" altLang="en-US"/>
               <a:t>다섯째 수준</a:t>
             </a:r>
-            <a:endParaRPr lang="ko-KR" altLang="en-US"/>
           </a:p>
         </p:txBody>
       </p:sp>
@@ -512,10 +508,9 @@
           <a:lstStyle/>
           <a:p>
             <a:r>
-              <a:rPr lang="ko-KR" altLang="en-US" smtClean="0"/>
+              <a:rPr lang="ko-KR" altLang="en-US"/>
               <a:t>마스터 제목 스타일 편집</a:t>
             </a:r>
-            <a:endParaRPr lang="ko-KR" altLang="en-US"/>
           </a:p>
         </p:txBody>
       </p:sp>
@@ -541,38 +536,37 @@
           <a:p>
             <a:pPr lvl="0"/>
             <a:r>
-              <a:rPr lang="ko-KR" altLang="en-US" smtClean="0"/>
+              <a:rPr lang="ko-KR" altLang="en-US"/>
               <a:t>마스터 텍스트 스타일 편집</a:t>
             </a:r>
           </a:p>
           <a:p>
             <a:pPr lvl="1"/>
             <a:r>
-              <a:rPr lang="ko-KR" altLang="en-US" smtClean="0"/>
+              <a:rPr lang="ko-KR" altLang="en-US"/>
               <a:t>둘째 수준</a:t>
             </a:r>
           </a:p>
           <a:p>
             <a:pPr lvl="2"/>
             <a:r>
-              <a:rPr lang="ko-KR" altLang="en-US" smtClean="0"/>
+              <a:rPr lang="ko-KR" altLang="en-US"/>
               <a:t>셋째 수준</a:t>
             </a:r>
           </a:p>
           <a:p>
             <a:pPr lvl="3"/>
             <a:r>
-              <a:rPr lang="ko-KR" altLang="en-US" smtClean="0"/>
+              <a:rPr lang="ko-KR" altLang="en-US"/>
               <a:t>넷째 수준</a:t>
             </a:r>
           </a:p>
           <a:p>
             <a:pPr lvl="4"/>
             <a:r>
-              <a:rPr lang="ko-KR" altLang="en-US" smtClean="0"/>
+              <a:rPr lang="ko-KR" altLang="en-US"/>
               <a:t>다섯째 수준</a:t>
             </a:r>
-            <a:endParaRPr lang="ko-KR" altLang="en-US"/>
           </a:p>
         </p:txBody>
       </p:sp>
@@ -687,10 +681,9 @@
           <a:lstStyle/>
           <a:p>
             <a:r>
-              <a:rPr lang="ko-KR" altLang="en-US" smtClean="0"/>
+              <a:rPr lang="ko-KR" altLang="en-US"/>
               <a:t>마스터 제목 스타일 편집</a:t>
             </a:r>
-            <a:endParaRPr lang="ko-KR" altLang="en-US"/>
           </a:p>
         </p:txBody>
       </p:sp>
@@ -711,38 +704,37 @@
           <a:p>
             <a:pPr lvl="0"/>
             <a:r>
-              <a:rPr lang="ko-KR" altLang="en-US" smtClean="0"/>
+              <a:rPr lang="ko-KR" altLang="en-US"/>
               <a:t>마스터 텍스트 스타일 편집</a:t>
             </a:r>
           </a:p>
           <a:p>
             <a:pPr lvl="1"/>
             <a:r>
-              <a:rPr lang="ko-KR" altLang="en-US" smtClean="0"/>
+              <a:rPr lang="ko-KR" altLang="en-US"/>
               <a:t>둘째 수준</a:t>
             </a:r>
           </a:p>
           <a:p>
             <a:pPr lvl="2"/>
             <a:r>
-              <a:rPr lang="ko-KR" altLang="en-US" smtClean="0"/>
+              <a:rPr lang="ko-KR" altLang="en-US"/>
               <a:t>셋째 수준</a:t>
             </a:r>
           </a:p>
           <a:p>
             <a:pPr lvl="3"/>
             <a:r>
-              <a:rPr lang="ko-KR" altLang="en-US" smtClean="0"/>
+              <a:rPr lang="ko-KR" altLang="en-US"/>
               <a:t>넷째 수준</a:t>
             </a:r>
           </a:p>
           <a:p>
             <a:pPr lvl="4"/>
             <a:r>
-              <a:rPr lang="ko-KR" altLang="en-US" smtClean="0"/>
+              <a:rPr lang="ko-KR" altLang="en-US"/>
               <a:t>다섯째 수준</a:t>
             </a:r>
-            <a:endParaRPr lang="ko-KR" altLang="en-US"/>
           </a:p>
         </p:txBody>
       </p:sp>
@@ -866,10 +858,9 @@
           </a:lstStyle>
           <a:p>
             <a:r>
-              <a:rPr lang="ko-KR" altLang="en-US" smtClean="0"/>
+              <a:rPr lang="ko-KR" altLang="en-US"/>
               <a:t>마스터 제목 스타일 편집</a:t>
             </a:r>
-            <a:endParaRPr lang="ko-KR" altLang="en-US"/>
           </a:p>
         </p:txBody>
       </p:sp>
@@ -986,7 +977,7 @@
           <a:p>
             <a:pPr lvl="0"/>
             <a:r>
-              <a:rPr lang="ko-KR" altLang="en-US" smtClean="0"/>
+              <a:rPr lang="ko-KR" altLang="en-US"/>
               <a:t>마스터 텍스트 스타일 편집</a:t>
             </a:r>
           </a:p>
@@ -1103,10 +1094,9 @@
           <a:lstStyle/>
           <a:p>
             <a:r>
-              <a:rPr lang="ko-KR" altLang="en-US" smtClean="0"/>
+              <a:rPr lang="ko-KR" altLang="en-US"/>
               <a:t>마스터 제목 스타일 편집</a:t>
             </a:r>
-            <a:endParaRPr lang="ko-KR" altLang="en-US"/>
           </a:p>
         </p:txBody>
       </p:sp>
@@ -1132,38 +1122,37 @@
           <a:p>
             <a:pPr lvl="0"/>
             <a:r>
-              <a:rPr lang="ko-KR" altLang="en-US" smtClean="0"/>
+              <a:rPr lang="ko-KR" altLang="en-US"/>
               <a:t>마스터 텍스트 스타일 편집</a:t>
             </a:r>
           </a:p>
           <a:p>
             <a:pPr lvl="1"/>
             <a:r>
-              <a:rPr lang="ko-KR" altLang="en-US" smtClean="0"/>
+              <a:rPr lang="ko-KR" altLang="en-US"/>
               <a:t>둘째 수준</a:t>
             </a:r>
           </a:p>
           <a:p>
             <a:pPr lvl="2"/>
             <a:r>
-              <a:rPr lang="ko-KR" altLang="en-US" smtClean="0"/>
+              <a:rPr lang="ko-KR" altLang="en-US"/>
               <a:t>셋째 수준</a:t>
             </a:r>
           </a:p>
           <a:p>
             <a:pPr lvl="3"/>
             <a:r>
-              <a:rPr lang="ko-KR" altLang="en-US" smtClean="0"/>
+              <a:rPr lang="ko-KR" altLang="en-US"/>
               <a:t>넷째 수준</a:t>
             </a:r>
           </a:p>
           <a:p>
             <a:pPr lvl="4"/>
             <a:r>
-              <a:rPr lang="ko-KR" altLang="en-US" smtClean="0"/>
+              <a:rPr lang="ko-KR" altLang="en-US"/>
               <a:t>다섯째 수준</a:t>
             </a:r>
-            <a:endParaRPr lang="ko-KR" altLang="en-US"/>
           </a:p>
         </p:txBody>
       </p:sp>
@@ -1189,38 +1178,37 @@
           <a:p>
             <a:pPr lvl="0"/>
             <a:r>
-              <a:rPr lang="ko-KR" altLang="en-US" smtClean="0"/>
+              <a:rPr lang="ko-KR" altLang="en-US"/>
               <a:t>마스터 텍스트 스타일 편집</a:t>
             </a:r>
           </a:p>
           <a:p>
             <a:pPr lvl="1"/>
             <a:r>
-              <a:rPr lang="ko-KR" altLang="en-US" smtClean="0"/>
+              <a:rPr lang="ko-KR" altLang="en-US"/>
               <a:t>둘째 수준</a:t>
             </a:r>
           </a:p>
           <a:p>
             <a:pPr lvl="2"/>
             <a:r>
-              <a:rPr lang="ko-KR" altLang="en-US" smtClean="0"/>
+              <a:rPr lang="ko-KR" altLang="en-US"/>
               <a:t>셋째 수준</a:t>
             </a:r>
           </a:p>
           <a:p>
             <a:pPr lvl="3"/>
             <a:r>
-              <a:rPr lang="ko-KR" altLang="en-US" smtClean="0"/>
+              <a:rPr lang="ko-KR" altLang="en-US"/>
               <a:t>넷째 수준</a:t>
             </a:r>
           </a:p>
           <a:p>
             <a:pPr lvl="4"/>
             <a:r>
-              <a:rPr lang="ko-KR" altLang="en-US" smtClean="0"/>
+              <a:rPr lang="ko-KR" altLang="en-US"/>
               <a:t>다섯째 수준</a:t>
             </a:r>
-            <a:endParaRPr lang="ko-KR" altLang="en-US"/>
           </a:p>
         </p:txBody>
       </p:sp>
@@ -1340,10 +1328,9 @@
           <a:lstStyle/>
           <a:p>
             <a:r>
-              <a:rPr lang="ko-KR" altLang="en-US" smtClean="0"/>
+              <a:rPr lang="ko-KR" altLang="en-US"/>
               <a:t>마스터 제목 스타일 편집</a:t>
             </a:r>
-            <a:endParaRPr lang="ko-KR" altLang="en-US"/>
           </a:p>
         </p:txBody>
       </p:sp>
@@ -1406,7 +1393,7 @@
           <a:p>
             <a:pPr lvl="0"/>
             <a:r>
-              <a:rPr lang="ko-KR" altLang="en-US" smtClean="0"/>
+              <a:rPr lang="ko-KR" altLang="en-US"/>
               <a:t>마스터 텍스트 스타일 편집</a:t>
             </a:r>
           </a:p>
@@ -1434,38 +1421,37 @@
           <a:p>
             <a:pPr lvl="0"/>
             <a:r>
-              <a:rPr lang="ko-KR" altLang="en-US" smtClean="0"/>
+              <a:rPr lang="ko-KR" altLang="en-US"/>
               <a:t>마스터 텍스트 스타일 편집</a:t>
             </a:r>
           </a:p>
           <a:p>
             <a:pPr lvl="1"/>
             <a:r>
-              <a:rPr lang="ko-KR" altLang="en-US" smtClean="0"/>
+              <a:rPr lang="ko-KR" altLang="en-US"/>
               <a:t>둘째 수준</a:t>
             </a:r>
           </a:p>
           <a:p>
             <a:pPr lvl="2"/>
             <a:r>
-              <a:rPr lang="ko-KR" altLang="en-US" smtClean="0"/>
+              <a:rPr lang="ko-KR" altLang="en-US"/>
               <a:t>셋째 수준</a:t>
             </a:r>
           </a:p>
           <a:p>
             <a:pPr lvl="3"/>
             <a:r>
-              <a:rPr lang="ko-KR" altLang="en-US" smtClean="0"/>
+              <a:rPr lang="ko-KR" altLang="en-US"/>
               <a:t>넷째 수준</a:t>
             </a:r>
           </a:p>
           <a:p>
             <a:pPr lvl="4"/>
             <a:r>
-              <a:rPr lang="ko-KR" altLang="en-US" smtClean="0"/>
+              <a:rPr lang="ko-KR" altLang="en-US"/>
               <a:t>다섯째 수준</a:t>
             </a:r>
-            <a:endParaRPr lang="ko-KR" altLang="en-US"/>
           </a:p>
         </p:txBody>
       </p:sp>
@@ -1528,7 +1514,7 @@
           <a:p>
             <a:pPr lvl="0"/>
             <a:r>
-              <a:rPr lang="ko-KR" altLang="en-US" smtClean="0"/>
+              <a:rPr lang="ko-KR" altLang="en-US"/>
               <a:t>마스터 텍스트 스타일 편집</a:t>
             </a:r>
           </a:p>
@@ -1556,38 +1542,37 @@
           <a:p>
             <a:pPr lvl="0"/>
             <a:r>
-              <a:rPr lang="ko-KR" altLang="en-US" smtClean="0"/>
+              <a:rPr lang="ko-KR" altLang="en-US"/>
               <a:t>마스터 텍스트 스타일 편집</a:t>
             </a:r>
           </a:p>
           <a:p>
             <a:pPr lvl="1"/>
             <a:r>
-              <a:rPr lang="ko-KR" altLang="en-US" smtClean="0"/>
+              <a:rPr lang="ko-KR" altLang="en-US"/>
               <a:t>둘째 수준</a:t>
             </a:r>
           </a:p>
           <a:p>
             <a:pPr lvl="2"/>
             <a:r>
-              <a:rPr lang="ko-KR" altLang="en-US" smtClean="0"/>
+              <a:rPr lang="ko-KR" altLang="en-US"/>
               <a:t>셋째 수준</a:t>
             </a:r>
           </a:p>
           <a:p>
             <a:pPr lvl="3"/>
             <a:r>
-              <a:rPr lang="ko-KR" altLang="en-US" smtClean="0"/>
+              <a:rPr lang="ko-KR" altLang="en-US"/>
               <a:t>넷째 수준</a:t>
             </a:r>
           </a:p>
           <a:p>
             <a:pPr lvl="4"/>
             <a:r>
-              <a:rPr lang="ko-KR" altLang="en-US" smtClean="0"/>
+              <a:rPr lang="ko-KR" altLang="en-US"/>
               <a:t>다섯째 수준</a:t>
             </a:r>
-            <a:endParaRPr lang="ko-KR" altLang="en-US"/>
           </a:p>
         </p:txBody>
       </p:sp>
@@ -1702,10 +1687,9 @@
           <a:lstStyle/>
           <a:p>
             <a:r>
-              <a:rPr lang="ko-KR" altLang="en-US" smtClean="0"/>
+              <a:rPr lang="ko-KR" altLang="en-US"/>
               <a:t>마스터 제목 스타일 편집</a:t>
             </a:r>
-            <a:endParaRPr lang="ko-KR" altLang="en-US"/>
           </a:p>
         </p:txBody>
       </p:sp>
@@ -1924,10 +1908,9 @@
           </a:lstStyle>
           <a:p>
             <a:r>
-              <a:rPr lang="ko-KR" altLang="en-US" smtClean="0"/>
+              <a:rPr lang="ko-KR" altLang="en-US"/>
               <a:t>마스터 제목 스타일 편집</a:t>
             </a:r>
-            <a:endParaRPr lang="ko-KR" altLang="en-US"/>
           </a:p>
         </p:txBody>
       </p:sp>
@@ -1981,38 +1964,37 @@
           <a:p>
             <a:pPr lvl="0"/>
             <a:r>
-              <a:rPr lang="ko-KR" altLang="en-US" smtClean="0"/>
+              <a:rPr lang="ko-KR" altLang="en-US"/>
               <a:t>마스터 텍스트 스타일 편집</a:t>
             </a:r>
           </a:p>
           <a:p>
             <a:pPr lvl="1"/>
             <a:r>
-              <a:rPr lang="ko-KR" altLang="en-US" smtClean="0"/>
+              <a:rPr lang="ko-KR" altLang="en-US"/>
               <a:t>둘째 수준</a:t>
             </a:r>
           </a:p>
           <a:p>
             <a:pPr lvl="2"/>
             <a:r>
-              <a:rPr lang="ko-KR" altLang="en-US" smtClean="0"/>
+              <a:rPr lang="ko-KR" altLang="en-US"/>
               <a:t>셋째 수준</a:t>
             </a:r>
           </a:p>
           <a:p>
             <a:pPr lvl="3"/>
             <a:r>
-              <a:rPr lang="ko-KR" altLang="en-US" smtClean="0"/>
+              <a:rPr lang="ko-KR" altLang="en-US"/>
               <a:t>넷째 수준</a:t>
             </a:r>
           </a:p>
           <a:p>
             <a:pPr lvl="4"/>
             <a:r>
-              <a:rPr lang="ko-KR" altLang="en-US" smtClean="0"/>
+              <a:rPr lang="ko-KR" altLang="en-US"/>
               <a:t>다섯째 수준</a:t>
             </a:r>
-            <a:endParaRPr lang="ko-KR" altLang="en-US"/>
           </a:p>
         </p:txBody>
       </p:sp>
@@ -2075,7 +2057,7 @@
           <a:p>
             <a:pPr lvl="0"/>
             <a:r>
-              <a:rPr lang="ko-KR" altLang="en-US" smtClean="0"/>
+              <a:rPr lang="ko-KR" altLang="en-US"/>
               <a:t>마스터 텍스트 스타일 편집</a:t>
             </a:r>
           </a:p>
@@ -2201,10 +2183,9 @@
           </a:lstStyle>
           <a:p>
             <a:r>
-              <a:rPr lang="ko-KR" altLang="en-US" smtClean="0"/>
+              <a:rPr lang="ko-KR" altLang="en-US"/>
               <a:t>마스터 제목 스타일 편집</a:t>
             </a:r>
-            <a:endParaRPr lang="ko-KR" altLang="en-US"/>
           </a:p>
         </p:txBody>
       </p:sp>
@@ -2328,7 +2309,7 @@
           <a:p>
             <a:pPr lvl="0"/>
             <a:r>
-              <a:rPr lang="ko-KR" altLang="en-US" smtClean="0"/>
+              <a:rPr lang="ko-KR" altLang="en-US"/>
               <a:t>마스터 텍스트 스타일 편집</a:t>
             </a:r>
           </a:p>
@@ -2460,10 +2441,9 @@
           <a:lstStyle/>
           <a:p>
             <a:r>
-              <a:rPr lang="ko-KR" altLang="en-US" smtClean="0"/>
+              <a:rPr lang="ko-KR" altLang="en-US"/>
               <a:t>마스터 제목 스타일 편집</a:t>
             </a:r>
-            <a:endParaRPr lang="ko-KR" altLang="en-US"/>
           </a:p>
         </p:txBody>
       </p:sp>
@@ -2494,38 +2474,37 @@
           <a:p>
             <a:pPr lvl="0"/>
             <a:r>
-              <a:rPr lang="ko-KR" altLang="en-US" smtClean="0"/>
+              <a:rPr lang="ko-KR" altLang="en-US"/>
               <a:t>마스터 텍스트 스타일 편집</a:t>
             </a:r>
           </a:p>
           <a:p>
             <a:pPr lvl="1"/>
             <a:r>
-              <a:rPr lang="ko-KR" altLang="en-US" smtClean="0"/>
+              <a:rPr lang="ko-KR" altLang="en-US"/>
               <a:t>둘째 수준</a:t>
             </a:r>
           </a:p>
           <a:p>
             <a:pPr lvl="2"/>
             <a:r>
-              <a:rPr lang="ko-KR" altLang="en-US" smtClean="0"/>
+              <a:rPr lang="ko-KR" altLang="en-US"/>
               <a:t>셋째 수준</a:t>
             </a:r>
           </a:p>
           <a:p>
             <a:pPr lvl="3"/>
             <a:r>
-              <a:rPr lang="ko-KR" altLang="en-US" smtClean="0"/>
+              <a:rPr lang="ko-KR" altLang="en-US"/>
               <a:t>넷째 수준</a:t>
             </a:r>
           </a:p>
           <a:p>
             <a:pPr lvl="4"/>
             <a:r>
-              <a:rPr lang="ko-KR" altLang="en-US" smtClean="0"/>
+              <a:rPr lang="ko-KR" altLang="en-US"/>
               <a:t>다섯째 수준</a:t>
             </a:r>
-            <a:endParaRPr lang="ko-KR" altLang="en-US"/>
           </a:p>
         </p:txBody>
       </p:sp>
@@ -3014,18 +2993,13 @@
           <a:p>
             <a:pPr algn="ctr"/>
             <a:r>
-              <a:rPr lang="ko-KR" altLang="en-US" sz="1100" dirty="0" smtClean="0">
+              <a:rPr lang="ko-KR" altLang="en-US" sz="1100" dirty="0">
                 <a:solidFill>
                   <a:sysClr val="windowText" lastClr="000000"/>
                 </a:solidFill>
               </a:rPr>
               <a:t>강의평가 질문 조회 정보 입력</a:t>
             </a:r>
-            <a:endParaRPr lang="ko-KR" altLang="en-US" sz="1100" dirty="0">
-              <a:solidFill>
-                <a:sysClr val="windowText" lastClr="000000"/>
-              </a:solidFill>
-            </a:endParaRPr>
           </a:p>
         </p:txBody>
       </p:sp>
@@ -3110,18 +3084,13 @@
           <a:p>
             <a:pPr algn="ctr"/>
             <a:r>
-              <a:rPr lang="ko-KR" altLang="en-US" sz="1100" dirty="0" smtClean="0">
+              <a:rPr lang="ko-KR" altLang="en-US" sz="1100" dirty="0">
                 <a:solidFill>
                   <a:sysClr val="windowText" lastClr="000000"/>
                 </a:solidFill>
               </a:rPr>
               <a:t>강의평가 질문 조회 처리</a:t>
             </a:r>
-            <a:endParaRPr lang="ko-KR" altLang="en-US" sz="1100" dirty="0">
-              <a:solidFill>
-                <a:sysClr val="windowText" lastClr="000000"/>
-              </a:solidFill>
-            </a:endParaRPr>
           </a:p>
         </p:txBody>
       </p:sp>
@@ -3170,18 +3139,13 @@
           <a:p>
             <a:pPr algn="ctr"/>
             <a:r>
-              <a:rPr lang="ko-KR" altLang="en-US" sz="1100" dirty="0" smtClean="0">
+              <a:rPr lang="ko-KR" altLang="en-US" sz="1100" dirty="0">
                 <a:solidFill>
                   <a:sysClr val="windowText" lastClr="000000"/>
                 </a:solidFill>
               </a:rPr>
               <a:t>강의평가 질문 조회 결과 출력</a:t>
             </a:r>
-            <a:endParaRPr lang="ko-KR" altLang="en-US" sz="1100" dirty="0">
-              <a:solidFill>
-                <a:sysClr val="windowText" lastClr="000000"/>
-              </a:solidFill>
-            </a:endParaRPr>
           </a:p>
         </p:txBody>
       </p:sp>
@@ -3374,15 +3338,15 @@
           <a:lstStyle/>
           <a:p>
             <a:r>
-              <a:rPr lang="ko-KR" altLang="en-US" sz="1100" dirty="0" smtClean="0"/>
+              <a:rPr lang="ko-KR" altLang="en-US" sz="1100" dirty="0"/>
               <a:t>강의평가</a:t>
             </a:r>
             <a:r>
-              <a:rPr lang="en-US" altLang="ko-KR" sz="1100" dirty="0" smtClean="0"/>
+              <a:rPr lang="en-US" altLang="ko-KR" sz="1100" dirty="0"/>
               <a:t> </a:t>
             </a:r>
             <a:r>
-              <a:rPr lang="ko-KR" altLang="en-US" sz="1100" dirty="0" smtClean="0"/>
+              <a:rPr lang="ko-KR" altLang="en-US" sz="1100" dirty="0"/>
               <a:t>질문 조회 결과 정보</a:t>
             </a:r>
             <a:endParaRPr lang="ko-KR" altLang="en-US" sz="1600" dirty="0"/>
@@ -3508,16 +3472,8 @@
           <a:lstStyle/>
           <a:p>
             <a:r>
-              <a:rPr lang="ko-KR" altLang="en-US" sz="1100" dirty="0" smtClean="0"/>
-              <a:t>강의평가 </a:t>
-            </a:r>
-            <a:r>
-              <a:rPr lang="ko-KR" altLang="en-US" sz="1100" dirty="0" smtClean="0"/>
-              <a:t>질문 </a:t>
-            </a:r>
-            <a:r>
-              <a:rPr lang="ko-KR" altLang="en-US" sz="1100" dirty="0" smtClean="0"/>
-              <a:t>조회 정보</a:t>
+              <a:rPr lang="ko-KR" altLang="en-US" sz="1100" dirty="0"/>
+              <a:t>강의평가 질문 조회 정보</a:t>
             </a:r>
             <a:endParaRPr lang="ko-KR" altLang="en-US" sz="1600" dirty="0"/>
           </a:p>
@@ -3530,8 +3486,8 @@
           <p:nvPr/>
         </p:nvGrpSpPr>
         <p:grpSpPr>
-          <a:xfrm rot="12890091">
-            <a:off x="6442481" y="3261889"/>
+          <a:xfrm rot="12832866">
+            <a:off x="6220552" y="2698837"/>
             <a:ext cx="465295" cy="429840"/>
             <a:chOff x="5764817" y="2081712"/>
             <a:chExt cx="465295" cy="429840"/>
@@ -3664,18 +3620,13 @@
           <a:p>
             <a:pPr algn="ctr"/>
             <a:r>
-              <a:rPr lang="ko-KR" altLang="en-US" sz="1100" dirty="0" smtClean="0">
+              <a:rPr lang="ko-KR" altLang="en-US" sz="1100" dirty="0">
                 <a:solidFill>
                   <a:sysClr val="windowText" lastClr="000000"/>
                 </a:solidFill>
               </a:rPr>
               <a:t>강의평가 질문 조회</a:t>
             </a:r>
-            <a:endParaRPr lang="ko-KR" altLang="en-US" sz="1100" dirty="0">
-              <a:solidFill>
-                <a:sysClr val="windowText" lastClr="000000"/>
-              </a:solidFill>
-            </a:endParaRPr>
           </a:p>
         </p:txBody>
       </p:sp>
@@ -3798,19 +3749,15 @@
           <a:lstStyle/>
           <a:p>
             <a:r>
-              <a:rPr lang="ko-KR" altLang="en-US" sz="1100" dirty="0" smtClean="0"/>
+              <a:rPr lang="ko-KR" altLang="en-US" sz="1100" dirty="0"/>
               <a:t>조회할 강의평가</a:t>
             </a:r>
-            <a:endParaRPr lang="en-US" altLang="ko-KR" sz="1100" dirty="0" smtClean="0"/>
-          </a:p>
-          <a:p>
-            <a:r>
-              <a:rPr lang="ko-KR" altLang="en-US" sz="1100" dirty="0" smtClean="0"/>
-              <a:t>질문 결과 </a:t>
-            </a:r>
-            <a:r>
-              <a:rPr lang="ko-KR" altLang="en-US" sz="1100" dirty="0" smtClean="0"/>
-              <a:t>정보</a:t>
+            <a:endParaRPr lang="en-US" altLang="ko-KR" sz="1100" dirty="0"/>
+          </a:p>
+          <a:p>
+            <a:r>
+              <a:rPr lang="ko-KR" altLang="en-US" sz="1100" dirty="0"/>
+              <a:t>질문 결과 정보</a:t>
             </a:r>
             <a:endParaRPr lang="ko-KR" altLang="en-US" sz="1600" dirty="0"/>
           </a:p>
@@ -4037,14 +3984,14 @@
             <a:p>
               <a:pPr algn="ctr"/>
               <a:r>
-                <a:rPr lang="ko-KR" altLang="en-US" sz="1100" dirty="0" smtClean="0">
+                <a:rPr lang="ko-KR" altLang="en-US" sz="1100" dirty="0">
                   <a:solidFill>
                     <a:schemeClr val="tx1"/>
                   </a:solidFill>
                 </a:rPr>
                 <a:t>강의평가 질문</a:t>
               </a:r>
-              <a:endParaRPr lang="en-US" altLang="ko-KR" sz="1100" dirty="0" smtClean="0">
+              <a:endParaRPr lang="en-US" altLang="ko-KR" sz="1100" dirty="0">
                 <a:solidFill>
                   <a:schemeClr val="tx1"/>
                 </a:solidFill>
@@ -4053,18 +4000,13 @@
             <a:p>
               <a:pPr algn="ctr"/>
               <a:r>
-                <a:rPr lang="ko-KR" altLang="en-US" sz="1100" dirty="0" smtClean="0">
+                <a:rPr lang="ko-KR" altLang="en-US" sz="1100" dirty="0">
                   <a:solidFill>
                     <a:schemeClr val="tx1"/>
                   </a:solidFill>
                 </a:rPr>
                 <a:t>리스트 정보</a:t>
               </a:r>
-              <a:endParaRPr lang="ko-KR" altLang="en-US" sz="1100" dirty="0">
-                <a:solidFill>
-                  <a:schemeClr val="tx1"/>
-                </a:solidFill>
-              </a:endParaRPr>
             </a:p>
           </p:txBody>
         </p:sp>
@@ -4224,12 +4166,8 @@
           <a:lstStyle/>
           <a:p>
             <a:r>
-              <a:rPr lang="ko-KR" altLang="en-US" sz="1100" dirty="0" smtClean="0"/>
-              <a:t>강의평가 질문 리스트 </a:t>
-            </a:r>
-            <a:r>
-              <a:rPr lang="ko-KR" altLang="en-US" sz="1100" dirty="0" smtClean="0"/>
-              <a:t>정보</a:t>
+              <a:rPr lang="ko-KR" altLang="en-US" sz="1100" dirty="0"/>
+              <a:t>강의평가 질문 리스트 정보</a:t>
             </a:r>
             <a:endParaRPr lang="ko-KR" altLang="en-US" sz="1600" dirty="0"/>
           </a:p>
@@ -4354,7 +4292,7 @@
           <a:lstStyle/>
           <a:p>
             <a:r>
-              <a:rPr lang="ko-KR" altLang="en-US" sz="1100" dirty="0" smtClean="0"/>
+              <a:rPr lang="ko-KR" altLang="en-US" sz="1100" dirty="0"/>
               <a:t>강의평가 질문 리스트 정보</a:t>
             </a:r>
             <a:endParaRPr lang="ko-KR" altLang="en-US" sz="1600" dirty="0"/>
@@ -4368,8 +4306,8 @@
           <p:nvPr/>
         </p:nvSpPr>
         <p:spPr>
-          <a:xfrm>
-            <a:off x="6701049" y="3889940"/>
+          <a:xfrm rot="4257606">
+            <a:off x="6292481" y="2651787"/>
             <a:ext cx="1221809" cy="430887"/>
           </a:xfrm>
           <a:prstGeom prst="rect">
@@ -4384,154 +4322,19 @@
           <a:lstStyle/>
           <a:p>
             <a:r>
-              <a:rPr lang="ko-KR" altLang="en-US" sz="1100" dirty="0" smtClean="0"/>
+              <a:rPr lang="ko-KR" altLang="en-US" sz="1100" dirty="0"/>
               <a:t>조회된 강의평가</a:t>
             </a:r>
-            <a:endParaRPr lang="en-US" altLang="ko-KR" sz="1100" dirty="0" smtClean="0"/>
-          </a:p>
-          <a:p>
-            <a:r>
-              <a:rPr lang="ko-KR" altLang="en-US" sz="1100" dirty="0" smtClean="0"/>
-              <a:t>결과 </a:t>
-            </a:r>
-            <a:r>
-              <a:rPr lang="ko-KR" altLang="en-US" sz="1100" dirty="0" smtClean="0"/>
+            <a:endParaRPr lang="en-US" altLang="ko-KR" sz="1100" dirty="0"/>
+          </a:p>
+          <a:p>
+            <a:r>
+              <a:rPr lang="ko-KR" altLang="en-US" sz="1100"/>
+              <a:t>   결과 </a:t>
+            </a:r>
+            <a:r>
+              <a:rPr lang="ko-KR" altLang="en-US" sz="1100" dirty="0"/>
               <a:t>정보</a:t>
-            </a:r>
-            <a:endParaRPr lang="ko-KR" altLang="en-US" sz="1600" dirty="0"/>
-          </a:p>
-        </p:txBody>
-      </p:sp>
-      <p:grpSp>
-        <p:nvGrpSpPr>
-          <p:cNvPr id="39" name="그룹 38"/>
-          <p:cNvGrpSpPr/>
-          <p:nvPr/>
-        </p:nvGrpSpPr>
-        <p:grpSpPr>
-          <a:xfrm rot="12890091">
-            <a:off x="6163435" y="2107816"/>
-            <a:ext cx="465295" cy="429840"/>
-            <a:chOff x="5764817" y="2081712"/>
-            <a:chExt cx="465295" cy="429840"/>
-          </a:xfrm>
-        </p:grpSpPr>
-        <p:sp>
-          <p:nvSpPr>
-            <p:cNvPr id="40" name="타원 39"/>
-            <p:cNvSpPr/>
-            <p:nvPr/>
-          </p:nvSpPr>
-          <p:spPr>
-            <a:xfrm>
-              <a:off x="5764817" y="2081712"/>
-              <a:ext cx="254984" cy="254984"/>
-            </a:xfrm>
-            <a:prstGeom prst="ellipse">
-              <a:avLst/>
-            </a:prstGeom>
-            <a:solidFill>
-              <a:schemeClr val="accent1"/>
-            </a:solidFill>
-            <a:ln w="38100">
-              <a:solidFill>
-                <a:schemeClr val="accent1"/>
-              </a:solidFill>
-            </a:ln>
-          </p:spPr>
-          <p:style>
-            <a:lnRef idx="2">
-              <a:schemeClr val="accent1">
-                <a:shade val="50000"/>
-              </a:schemeClr>
-            </a:lnRef>
-            <a:fillRef idx="1">
-              <a:schemeClr val="accent1"/>
-            </a:fillRef>
-            <a:effectRef idx="0">
-              <a:schemeClr val="accent1"/>
-            </a:effectRef>
-            <a:fontRef idx="minor">
-              <a:schemeClr val="lt1"/>
-            </a:fontRef>
-          </p:style>
-          <p:txBody>
-            <a:bodyPr rtlCol="0" anchor="ctr"/>
-            <a:lstStyle/>
-            <a:p>
-              <a:pPr algn="ctr"/>
-              <a:endParaRPr lang="ko-KR" altLang="en-US"/>
-            </a:p>
-          </p:txBody>
-        </p:sp>
-        <p:cxnSp>
-          <p:nvCxnSpPr>
-            <p:cNvPr id="41" name="직선 연결선 40"/>
-            <p:cNvCxnSpPr>
-              <a:endCxn id="40" idx="5"/>
-            </p:cNvCxnSpPr>
-            <p:nvPr/>
-          </p:nvCxnSpPr>
-          <p:spPr>
-            <a:xfrm flipH="1" flipV="1">
-              <a:off x="5982459" y="2299354"/>
-              <a:ext cx="247653" cy="212198"/>
-            </a:xfrm>
-            <a:prstGeom prst="line">
-              <a:avLst/>
-            </a:prstGeom>
-            <a:ln w="38100">
-              <a:headEnd type="stealth" w="lg" len="lg"/>
-            </a:ln>
-          </p:spPr>
-          <p:style>
-            <a:lnRef idx="1">
-              <a:schemeClr val="accent1"/>
-            </a:lnRef>
-            <a:fillRef idx="0">
-              <a:schemeClr val="accent1"/>
-            </a:fillRef>
-            <a:effectRef idx="0">
-              <a:schemeClr val="accent1"/>
-            </a:effectRef>
-            <a:fontRef idx="minor">
-              <a:schemeClr val="tx1"/>
-            </a:fontRef>
-          </p:style>
-        </p:cxnSp>
-      </p:grpSp>
-      <p:sp>
-        <p:nvSpPr>
-          <p:cNvPr id="42" name="TextBox 41"/>
-          <p:cNvSpPr txBox="1"/>
-          <p:nvPr/>
-        </p:nvSpPr>
-        <p:spPr>
-          <a:xfrm>
-            <a:off x="6526171" y="2311980"/>
-            <a:ext cx="798617" cy="430887"/>
-          </a:xfrm>
-          <a:prstGeom prst="rect">
-            <a:avLst/>
-          </a:prstGeom>
-          <a:noFill/>
-        </p:spPr>
-        <p:txBody>
-          <a:bodyPr wrap="none" rtlCol="0">
-            <a:spAutoFit/>
-          </a:bodyPr>
-          <a:lstStyle/>
-          <a:p>
-            <a:r>
-              <a:rPr lang="ko-KR" altLang="en-US" sz="1100" dirty="0" smtClean="0"/>
-              <a:t>조회</a:t>
-            </a:r>
-            <a:endParaRPr lang="en-US" altLang="ko-KR" sz="1100" dirty="0" smtClean="0"/>
-          </a:p>
-          <a:p>
-            <a:r>
-              <a:rPr lang="ko-KR" altLang="en-US" sz="1100" dirty="0" smtClean="0"/>
-              <a:t>성공 여부</a:t>
             </a:r>
             <a:endParaRPr lang="ko-KR" altLang="en-US" sz="1600" dirty="0"/>
           </a:p>

--- a/SDD 관련 자료/작업 결과물/처리 모형도/강의평가질문조회.pptx
+++ b/SDD 관련 자료/작업 결과물/처리 모형도/강의평가질문조회.pptx
@@ -241,7 +241,7 @@
           <a:p>
             <a:fld id="{AB5AEB98-3777-4085-A3C9-73A6E37CAD33}" type="datetimeFigureOut">
               <a:rPr lang="ko-KR" altLang="en-US" smtClean="0"/>
-              <a:t>2016-05-23</a:t>
+              <a:t>2016-05-24</a:t>
             </a:fld>
             <a:endParaRPr lang="ko-KR" altLang="en-US"/>
           </a:p>
@@ -409,7 +409,7 @@
           <a:p>
             <a:fld id="{AB5AEB98-3777-4085-A3C9-73A6E37CAD33}" type="datetimeFigureOut">
               <a:rPr lang="ko-KR" altLang="en-US" smtClean="0"/>
-              <a:t>2016-05-23</a:t>
+              <a:t>2016-05-24</a:t>
             </a:fld>
             <a:endParaRPr lang="ko-KR" altLang="en-US"/>
           </a:p>
@@ -587,7 +587,7 @@
           <a:p>
             <a:fld id="{AB5AEB98-3777-4085-A3C9-73A6E37CAD33}" type="datetimeFigureOut">
               <a:rPr lang="ko-KR" altLang="en-US" smtClean="0"/>
-              <a:t>2016-05-23</a:t>
+              <a:t>2016-05-24</a:t>
             </a:fld>
             <a:endParaRPr lang="ko-KR" altLang="en-US"/>
           </a:p>
@@ -755,7 +755,7 @@
           <a:p>
             <a:fld id="{AB5AEB98-3777-4085-A3C9-73A6E37CAD33}" type="datetimeFigureOut">
               <a:rPr lang="ko-KR" altLang="en-US" smtClean="0"/>
-              <a:t>2016-05-23</a:t>
+              <a:t>2016-05-24</a:t>
             </a:fld>
             <a:endParaRPr lang="ko-KR" altLang="en-US"/>
           </a:p>
@@ -1000,7 +1000,7 @@
           <a:p>
             <a:fld id="{AB5AEB98-3777-4085-A3C9-73A6E37CAD33}" type="datetimeFigureOut">
               <a:rPr lang="ko-KR" altLang="en-US" smtClean="0"/>
-              <a:t>2016-05-23</a:t>
+              <a:t>2016-05-24</a:t>
             </a:fld>
             <a:endParaRPr lang="ko-KR" altLang="en-US"/>
           </a:p>
@@ -1229,7 +1229,7 @@
           <a:p>
             <a:fld id="{AB5AEB98-3777-4085-A3C9-73A6E37CAD33}" type="datetimeFigureOut">
               <a:rPr lang="ko-KR" altLang="en-US" smtClean="0"/>
-              <a:t>2016-05-23</a:t>
+              <a:t>2016-05-24</a:t>
             </a:fld>
             <a:endParaRPr lang="ko-KR" altLang="en-US"/>
           </a:p>
@@ -1593,7 +1593,7 @@
           <a:p>
             <a:fld id="{AB5AEB98-3777-4085-A3C9-73A6E37CAD33}" type="datetimeFigureOut">
               <a:rPr lang="ko-KR" altLang="en-US" smtClean="0"/>
-              <a:t>2016-05-23</a:t>
+              <a:t>2016-05-24</a:t>
             </a:fld>
             <a:endParaRPr lang="ko-KR" altLang="en-US"/>
           </a:p>
@@ -1710,7 +1710,7 @@
           <a:p>
             <a:fld id="{AB5AEB98-3777-4085-A3C9-73A6E37CAD33}" type="datetimeFigureOut">
               <a:rPr lang="ko-KR" altLang="en-US" smtClean="0"/>
-              <a:t>2016-05-23</a:t>
+              <a:t>2016-05-24</a:t>
             </a:fld>
             <a:endParaRPr lang="ko-KR" altLang="en-US"/>
           </a:p>
@@ -1805,7 +1805,7 @@
           <a:p>
             <a:fld id="{AB5AEB98-3777-4085-A3C9-73A6E37CAD33}" type="datetimeFigureOut">
               <a:rPr lang="ko-KR" altLang="en-US" smtClean="0"/>
-              <a:t>2016-05-23</a:t>
+              <a:t>2016-05-24</a:t>
             </a:fld>
             <a:endParaRPr lang="ko-KR" altLang="en-US"/>
           </a:p>
@@ -2080,7 +2080,7 @@
           <a:p>
             <a:fld id="{AB5AEB98-3777-4085-A3C9-73A6E37CAD33}" type="datetimeFigureOut">
               <a:rPr lang="ko-KR" altLang="en-US" smtClean="0"/>
-              <a:t>2016-05-23</a:t>
+              <a:t>2016-05-24</a:t>
             </a:fld>
             <a:endParaRPr lang="ko-KR" altLang="en-US"/>
           </a:p>
@@ -2332,7 +2332,7 @@
           <a:p>
             <a:fld id="{AB5AEB98-3777-4085-A3C9-73A6E37CAD33}" type="datetimeFigureOut">
               <a:rPr lang="ko-KR" altLang="en-US" smtClean="0"/>
-              <a:t>2016-05-23</a:t>
+              <a:t>2016-05-24</a:t>
             </a:fld>
             <a:endParaRPr lang="ko-KR" altLang="en-US"/>
           </a:p>
@@ -2543,7 +2543,7 @@
           <a:p>
             <a:fld id="{AB5AEB98-3777-4085-A3C9-73A6E37CAD33}" type="datetimeFigureOut">
               <a:rPr lang="ko-KR" altLang="en-US" smtClean="0"/>
-              <a:t>2016-05-23</a:t>
+              <a:t>2016-05-24</a:t>
             </a:fld>
             <a:endParaRPr lang="ko-KR" altLang="en-US"/>
           </a:p>
@@ -2956,7 +2956,7 @@
         </p:nvSpPr>
         <p:spPr>
           <a:xfrm>
-            <a:off x="363431" y="3940001"/>
+            <a:off x="3872175" y="7246727"/>
             <a:ext cx="1556992" cy="726131"/>
           </a:xfrm>
           <a:prstGeom prst="rect">
@@ -3013,7 +3013,7 @@
         </p:nvCxnSpPr>
         <p:spPr>
           <a:xfrm flipH="1">
-            <a:off x="1141927" y="924746"/>
+            <a:off x="4650671" y="4231472"/>
             <a:ext cx="3716977" cy="3015255"/>
           </a:xfrm>
           <a:prstGeom prst="straightConnector1">
@@ -3047,7 +3047,7 @@
         </p:nvSpPr>
         <p:spPr>
           <a:xfrm>
-            <a:off x="5959514" y="4934122"/>
+            <a:off x="9468258" y="8240848"/>
             <a:ext cx="1556992" cy="726131"/>
           </a:xfrm>
           <a:prstGeom prst="rect">
@@ -3102,7 +3102,7 @@
         </p:nvSpPr>
         <p:spPr>
           <a:xfrm>
-            <a:off x="8570107" y="3940001"/>
+            <a:off x="12078851" y="7246727"/>
             <a:ext cx="1556992" cy="726131"/>
           </a:xfrm>
           <a:prstGeom prst="rect">
@@ -3157,7 +3157,7 @@
         </p:nvCxnSpPr>
         <p:spPr>
           <a:xfrm flipH="1">
-            <a:off x="3591321" y="921779"/>
+            <a:off x="7100065" y="4228505"/>
             <a:ext cx="1617940" cy="4012343"/>
           </a:xfrm>
           <a:prstGeom prst="straightConnector1">
@@ -3193,7 +3193,7 @@
         </p:nvCxnSpPr>
         <p:spPr>
           <a:xfrm>
-            <a:off x="5959514" y="921779"/>
+            <a:off x="9468258" y="4228505"/>
             <a:ext cx="3389089" cy="3018222"/>
           </a:xfrm>
           <a:prstGeom prst="straightConnector1">
@@ -3227,7 +3227,7 @@
         </p:nvGrpSpPr>
         <p:grpSpPr>
           <a:xfrm rot="282253">
-            <a:off x="7589569" y="2003062"/>
+            <a:off x="11098313" y="5309788"/>
             <a:ext cx="465295" cy="429840"/>
             <a:chOff x="5764817" y="2081712"/>
             <a:chExt cx="465295" cy="429840"/>
@@ -3323,7 +3323,7 @@
         </p:nvSpPr>
         <p:spPr>
           <a:xfrm rot="2557281">
-            <a:off x="7076576" y="2028992"/>
+            <a:off x="10585320" y="5335718"/>
             <a:ext cx="2076209" cy="261610"/>
           </a:xfrm>
           <a:prstGeom prst="rect">
@@ -3361,7 +3361,7 @@
         </p:nvGrpSpPr>
         <p:grpSpPr>
           <a:xfrm rot="16602684">
-            <a:off x="2290570" y="2287675"/>
+            <a:off x="5799314" y="5594401"/>
             <a:ext cx="465295" cy="429840"/>
             <a:chOff x="5764817" y="2081712"/>
             <a:chExt cx="465295" cy="429840"/>
@@ -3457,7 +3457,7 @@
         </p:nvSpPr>
         <p:spPr>
           <a:xfrm rot="19199642">
-            <a:off x="1284126" y="2221873"/>
+            <a:off x="4792870" y="5528599"/>
             <a:ext cx="2064041" cy="261610"/>
           </a:xfrm>
           <a:prstGeom prst="rect">
@@ -3487,7 +3487,7 @@
         </p:nvGrpSpPr>
         <p:grpSpPr>
           <a:xfrm rot="12832866">
-            <a:off x="6220552" y="2698837"/>
+            <a:off x="9729296" y="6005563"/>
             <a:ext cx="465295" cy="429840"/>
             <a:chOff x="5764817" y="2081712"/>
             <a:chExt cx="465295" cy="429840"/>
@@ -3575,61 +3575,6 @@
           </p:style>
         </p:cxnSp>
       </p:grpSp>
-      <p:sp>
-        <p:nvSpPr>
-          <p:cNvPr id="25" name="직사각형 24"/>
-          <p:cNvSpPr/>
-          <p:nvPr/>
-        </p:nvSpPr>
-        <p:spPr>
-          <a:xfrm>
-            <a:off x="4631947" y="182632"/>
-            <a:ext cx="1556992" cy="726131"/>
-          </a:xfrm>
-          <a:prstGeom prst="rect">
-            <a:avLst/>
-          </a:prstGeom>
-          <a:noFill/>
-          <a:ln w="31750">
-            <a:solidFill>
-              <a:schemeClr val="accent1">
-                <a:shade val="50000"/>
-              </a:schemeClr>
-            </a:solidFill>
-          </a:ln>
-        </p:spPr>
-        <p:style>
-          <a:lnRef idx="2">
-            <a:schemeClr val="accent1">
-              <a:shade val="50000"/>
-            </a:schemeClr>
-          </a:lnRef>
-          <a:fillRef idx="1">
-            <a:schemeClr val="accent1"/>
-          </a:fillRef>
-          <a:effectRef idx="0">
-            <a:schemeClr val="accent1"/>
-          </a:effectRef>
-          <a:fontRef idx="minor">
-            <a:schemeClr val="lt1"/>
-          </a:fontRef>
-        </p:style>
-        <p:txBody>
-          <a:bodyPr rtlCol="0" anchor="ctr"/>
-          <a:lstStyle/>
-          <a:p>
-            <a:pPr algn="ctr"/>
-            <a:r>
-              <a:rPr lang="ko-KR" altLang="en-US" sz="1100" dirty="0">
-                <a:solidFill>
-                  <a:sysClr val="windowText" lastClr="000000"/>
-                </a:solidFill>
-              </a:rPr>
-              <a:t>강의평가 질문 조회</a:t>
-            </a:r>
-          </a:p>
-        </p:txBody>
-      </p:sp>
       <p:grpSp>
         <p:nvGrpSpPr>
           <p:cNvPr id="27" name="그룹 26"/>
@@ -3638,7 +3583,7 @@
         </p:nvGrpSpPr>
         <p:grpSpPr>
           <a:xfrm rot="1952499">
-            <a:off x="5431728" y="1752728"/>
+            <a:off x="8940472" y="5059454"/>
             <a:ext cx="465295" cy="429840"/>
             <a:chOff x="5764817" y="2081712"/>
             <a:chExt cx="465295" cy="429840"/>
@@ -3734,7 +3679,7 @@
         </p:nvSpPr>
         <p:spPr>
           <a:xfrm rot="15427772">
-            <a:off x="4745933" y="1814590"/>
+            <a:off x="8254677" y="5121316"/>
             <a:ext cx="1221809" cy="430887"/>
           </a:xfrm>
           <a:prstGeom prst="rect">
@@ -3771,7 +3716,7 @@
         </p:nvGrpSpPr>
         <p:grpSpPr>
           <a:xfrm>
-            <a:off x="2760187" y="4959490"/>
+            <a:off x="6268931" y="8266216"/>
             <a:ext cx="1561933" cy="676405"/>
             <a:chOff x="8118153" y="2442575"/>
             <a:chExt cx="1561933" cy="676405"/>
@@ -4021,7 +3966,7 @@
         </p:nvCxnSpPr>
         <p:spPr>
           <a:xfrm>
-            <a:off x="5649865" y="924745"/>
+            <a:off x="9158609" y="4231471"/>
             <a:ext cx="1088145" cy="4009377"/>
           </a:xfrm>
           <a:prstGeom prst="straightConnector1">
@@ -4055,7 +4000,7 @@
         </p:nvGrpSpPr>
         <p:grpSpPr>
           <a:xfrm rot="15386436">
-            <a:off x="3882890" y="2829870"/>
+            <a:off x="7391634" y="6136596"/>
             <a:ext cx="465295" cy="429840"/>
             <a:chOff x="5764817" y="2081712"/>
             <a:chExt cx="465295" cy="429840"/>
@@ -4151,7 +4096,7 @@
         </p:nvSpPr>
         <p:spPr>
           <a:xfrm rot="17772725">
-            <a:off x="2812767" y="2766051"/>
+            <a:off x="6321511" y="6072777"/>
             <a:ext cx="2065042" cy="261610"/>
           </a:xfrm>
           <a:prstGeom prst="rect">
@@ -4181,7 +4126,7 @@
         </p:nvGrpSpPr>
         <p:grpSpPr>
           <a:xfrm rot="1952499">
-            <a:off x="5813463" y="3359732"/>
+            <a:off x="9322207" y="6666458"/>
             <a:ext cx="465295" cy="429840"/>
             <a:chOff x="5764817" y="2081712"/>
             <a:chExt cx="465295" cy="429840"/>
@@ -4277,7 +4222,7 @@
         </p:nvSpPr>
         <p:spPr>
           <a:xfrm rot="15427772">
-            <a:off x="4754850" y="3576627"/>
+            <a:off x="8263594" y="6883353"/>
             <a:ext cx="1885453" cy="261610"/>
           </a:xfrm>
           <a:prstGeom prst="rect">
@@ -4307,7 +4252,7 @@
         </p:nvSpPr>
         <p:spPr>
           <a:xfrm rot="4257606">
-            <a:off x="6292481" y="2651787"/>
+            <a:off x="9801225" y="5958513"/>
             <a:ext cx="1221809" cy="430887"/>
           </a:xfrm>
           <a:prstGeom prst="rect">
@@ -4332,6 +4277,1007 @@
               <a:rPr lang="ko-KR" altLang="en-US" sz="1100"/>
               <a:t>   결과 </a:t>
             </a:r>
+            <a:r>
+              <a:rPr lang="ko-KR" altLang="en-US" sz="1100" dirty="0"/>
+              <a:t>정보</a:t>
+            </a:r>
+            <a:endParaRPr lang="ko-KR" altLang="en-US" sz="1600" dirty="0"/>
+          </a:p>
+        </p:txBody>
+      </p:sp>
+      <p:sp>
+        <p:nvSpPr>
+          <p:cNvPr id="75" name="직사각형 74"/>
+          <p:cNvSpPr/>
+          <p:nvPr/>
+        </p:nvSpPr>
+        <p:spPr>
+          <a:xfrm>
+            <a:off x="5365821" y="1137197"/>
+            <a:ext cx="1556992" cy="726131"/>
+          </a:xfrm>
+          <a:prstGeom prst="rect">
+            <a:avLst/>
+          </a:prstGeom>
+          <a:noFill/>
+          <a:ln w="31750">
+            <a:solidFill>
+              <a:schemeClr val="accent1">
+                <a:shade val="50000"/>
+              </a:schemeClr>
+            </a:solidFill>
+          </a:ln>
+        </p:spPr>
+        <p:style>
+          <a:lnRef idx="2">
+            <a:schemeClr val="accent1">
+              <a:shade val="50000"/>
+            </a:schemeClr>
+          </a:lnRef>
+          <a:fillRef idx="1">
+            <a:schemeClr val="accent1"/>
+          </a:fillRef>
+          <a:effectRef idx="0">
+            <a:schemeClr val="accent1"/>
+          </a:effectRef>
+          <a:fontRef idx="minor">
+            <a:schemeClr val="lt1"/>
+          </a:fontRef>
+        </p:style>
+        <p:txBody>
+          <a:bodyPr rtlCol="0" anchor="ctr"/>
+          <a:lstStyle/>
+          <a:p>
+            <a:pPr algn="ctr"/>
+            <a:r>
+              <a:rPr lang="ko-KR" altLang="en-US" sz="1100" dirty="0">
+                <a:solidFill>
+                  <a:sysClr val="windowText" lastClr="000000"/>
+                </a:solidFill>
+              </a:rPr>
+              <a:t>강의평가 질문 조회</a:t>
+            </a:r>
+          </a:p>
+        </p:txBody>
+      </p:sp>
+      <p:sp>
+        <p:nvSpPr>
+          <p:cNvPr id="76" name="직사각형 75"/>
+          <p:cNvSpPr/>
+          <p:nvPr/>
+        </p:nvSpPr>
+        <p:spPr>
+          <a:xfrm>
+            <a:off x="2733650" y="3485405"/>
+            <a:ext cx="1556992" cy="726131"/>
+          </a:xfrm>
+          <a:prstGeom prst="rect">
+            <a:avLst/>
+          </a:prstGeom>
+          <a:noFill/>
+          <a:ln w="31750">
+            <a:solidFill>
+              <a:schemeClr val="accent1">
+                <a:shade val="50000"/>
+              </a:schemeClr>
+            </a:solidFill>
+          </a:ln>
+        </p:spPr>
+        <p:style>
+          <a:lnRef idx="2">
+            <a:schemeClr val="accent1">
+              <a:shade val="50000"/>
+            </a:schemeClr>
+          </a:lnRef>
+          <a:fillRef idx="1">
+            <a:schemeClr val="accent1"/>
+          </a:fillRef>
+          <a:effectRef idx="0">
+            <a:schemeClr val="accent1"/>
+          </a:effectRef>
+          <a:fontRef idx="minor">
+            <a:schemeClr val="lt1"/>
+          </a:fontRef>
+        </p:style>
+        <p:txBody>
+          <a:bodyPr rtlCol="0" anchor="ctr"/>
+          <a:lstStyle/>
+          <a:p>
+            <a:pPr algn="ctr"/>
+            <a:r>
+              <a:rPr lang="ko-KR" altLang="en-US" sz="1100" dirty="0">
+                <a:solidFill>
+                  <a:schemeClr val="tx1"/>
+                </a:solidFill>
+              </a:rPr>
+              <a:t>권한 체크</a:t>
+            </a:r>
+          </a:p>
+        </p:txBody>
+      </p:sp>
+      <p:cxnSp>
+        <p:nvCxnSpPr>
+          <p:cNvPr id="77" name="직선 화살표 연결선 76"/>
+          <p:cNvCxnSpPr>
+            <a:stCxn id="75" idx="2"/>
+            <a:endCxn id="76" idx="0"/>
+          </p:cNvCxnSpPr>
+          <p:nvPr/>
+        </p:nvCxnSpPr>
+        <p:spPr>
+          <a:xfrm flipH="1">
+            <a:off x="3512146" y="1863328"/>
+            <a:ext cx="2632171" cy="1622077"/>
+          </a:xfrm>
+          <a:prstGeom prst="straightConnector1">
+            <a:avLst/>
+          </a:prstGeom>
+          <a:ln w="38100">
+            <a:headEnd w="lg" len="lg"/>
+            <a:tailEnd type="triangle"/>
+          </a:ln>
+        </p:spPr>
+        <p:style>
+          <a:lnRef idx="1">
+            <a:schemeClr val="accent1"/>
+          </a:lnRef>
+          <a:fillRef idx="0">
+            <a:schemeClr val="accent1"/>
+          </a:fillRef>
+          <a:effectRef idx="0">
+            <a:schemeClr val="accent1"/>
+          </a:effectRef>
+          <a:fontRef idx="minor">
+            <a:schemeClr val="tx1"/>
+          </a:fontRef>
+        </p:style>
+      </p:cxnSp>
+      <p:sp>
+        <p:nvSpPr>
+          <p:cNvPr id="78" name="직사각형 77"/>
+          <p:cNvSpPr/>
+          <p:nvPr/>
+        </p:nvSpPr>
+        <p:spPr>
+          <a:xfrm>
+            <a:off x="5544126" y="3510493"/>
+            <a:ext cx="1556992" cy="726131"/>
+          </a:xfrm>
+          <a:prstGeom prst="rect">
+            <a:avLst/>
+          </a:prstGeom>
+          <a:noFill/>
+          <a:ln w="31750">
+            <a:solidFill>
+              <a:schemeClr val="accent1">
+                <a:shade val="50000"/>
+              </a:schemeClr>
+            </a:solidFill>
+          </a:ln>
+        </p:spPr>
+        <p:style>
+          <a:lnRef idx="2">
+            <a:schemeClr val="accent1">
+              <a:shade val="50000"/>
+            </a:schemeClr>
+          </a:lnRef>
+          <a:fillRef idx="1">
+            <a:schemeClr val="accent1"/>
+          </a:fillRef>
+          <a:effectRef idx="0">
+            <a:schemeClr val="accent1"/>
+          </a:effectRef>
+          <a:fontRef idx="minor">
+            <a:schemeClr val="lt1"/>
+          </a:fontRef>
+        </p:style>
+        <p:txBody>
+          <a:bodyPr rtlCol="0" anchor="ctr"/>
+          <a:lstStyle/>
+          <a:p>
+            <a:pPr algn="ctr"/>
+            <a:r>
+              <a:rPr lang="ko-KR" altLang="en-US" sz="1100" dirty="0">
+                <a:solidFill>
+                  <a:schemeClr val="tx1"/>
+                </a:solidFill>
+              </a:rPr>
+              <a:t>화면 출력</a:t>
+            </a:r>
+          </a:p>
+        </p:txBody>
+      </p:sp>
+      <p:grpSp>
+        <p:nvGrpSpPr>
+          <p:cNvPr id="79" name="그룹 78"/>
+          <p:cNvGrpSpPr/>
+          <p:nvPr/>
+        </p:nvGrpSpPr>
+        <p:grpSpPr>
+          <a:xfrm rot="5672329">
+            <a:off x="4122738" y="2429372"/>
+            <a:ext cx="465295" cy="429840"/>
+            <a:chOff x="5764817" y="2081712"/>
+            <a:chExt cx="465295" cy="429840"/>
+          </a:xfrm>
+        </p:grpSpPr>
+        <p:sp>
+          <p:nvSpPr>
+            <p:cNvPr id="80" name="타원 79"/>
+            <p:cNvSpPr/>
+            <p:nvPr/>
+          </p:nvSpPr>
+          <p:spPr>
+            <a:xfrm>
+              <a:off x="5764817" y="2081712"/>
+              <a:ext cx="254984" cy="254984"/>
+            </a:xfrm>
+            <a:prstGeom prst="ellipse">
+              <a:avLst/>
+            </a:prstGeom>
+            <a:noFill/>
+            <a:ln w="38100">
+              <a:solidFill>
+                <a:schemeClr val="accent1"/>
+              </a:solidFill>
+            </a:ln>
+          </p:spPr>
+          <p:style>
+            <a:lnRef idx="2">
+              <a:schemeClr val="accent1">
+                <a:shade val="50000"/>
+              </a:schemeClr>
+            </a:lnRef>
+            <a:fillRef idx="1">
+              <a:schemeClr val="accent1"/>
+            </a:fillRef>
+            <a:effectRef idx="0">
+              <a:schemeClr val="accent1"/>
+            </a:effectRef>
+            <a:fontRef idx="minor">
+              <a:schemeClr val="lt1"/>
+            </a:fontRef>
+          </p:style>
+          <p:txBody>
+            <a:bodyPr rtlCol="0" anchor="ctr"/>
+            <a:lstStyle/>
+            <a:p>
+              <a:pPr algn="ctr"/>
+              <a:endParaRPr lang="ko-KR" altLang="en-US"/>
+            </a:p>
+          </p:txBody>
+        </p:sp>
+        <p:cxnSp>
+          <p:nvCxnSpPr>
+            <p:cNvPr id="81" name="직선 연결선 80"/>
+            <p:cNvCxnSpPr>
+              <a:endCxn id="80" idx="5"/>
+            </p:cNvCxnSpPr>
+            <p:nvPr/>
+          </p:nvCxnSpPr>
+          <p:spPr>
+            <a:xfrm flipH="1" flipV="1">
+              <a:off x="5982459" y="2299354"/>
+              <a:ext cx="247653" cy="212198"/>
+            </a:xfrm>
+            <a:prstGeom prst="line">
+              <a:avLst/>
+            </a:prstGeom>
+            <a:ln w="38100">
+              <a:headEnd type="stealth" w="lg" len="lg"/>
+            </a:ln>
+          </p:spPr>
+          <p:style>
+            <a:lnRef idx="1">
+              <a:schemeClr val="accent1"/>
+            </a:lnRef>
+            <a:fillRef idx="0">
+              <a:schemeClr val="accent1"/>
+            </a:fillRef>
+            <a:effectRef idx="0">
+              <a:schemeClr val="accent1"/>
+            </a:effectRef>
+            <a:fontRef idx="minor">
+              <a:schemeClr val="tx1"/>
+            </a:fontRef>
+          </p:style>
+        </p:cxnSp>
+      </p:grpSp>
+      <p:sp>
+        <p:nvSpPr>
+          <p:cNvPr id="82" name="TextBox 81"/>
+          <p:cNvSpPr txBox="1"/>
+          <p:nvPr/>
+        </p:nvSpPr>
+        <p:spPr>
+          <a:xfrm rot="19188507">
+            <a:off x="3646872" y="2333483"/>
+            <a:ext cx="798617" cy="261610"/>
+          </a:xfrm>
+          <a:prstGeom prst="rect">
+            <a:avLst/>
+          </a:prstGeom>
+          <a:noFill/>
+        </p:spPr>
+        <p:txBody>
+          <a:bodyPr wrap="none" rtlCol="0">
+            <a:spAutoFit/>
+          </a:bodyPr>
+          <a:lstStyle/>
+          <a:p>
+            <a:pPr algn="ctr"/>
+            <a:r>
+              <a:rPr lang="ko-KR" altLang="en-US" sz="1100" dirty="0"/>
+              <a:t>권한 정보</a:t>
+            </a:r>
+            <a:endParaRPr lang="ko-KR" altLang="en-US" sz="1600" dirty="0"/>
+          </a:p>
+        </p:txBody>
+      </p:sp>
+      <p:grpSp>
+        <p:nvGrpSpPr>
+          <p:cNvPr id="83" name="그룹 82"/>
+          <p:cNvGrpSpPr/>
+          <p:nvPr/>
+        </p:nvGrpSpPr>
+        <p:grpSpPr>
+          <a:xfrm rot="2052325">
+            <a:off x="6193422" y="2496557"/>
+            <a:ext cx="465295" cy="429840"/>
+            <a:chOff x="5764817" y="2081712"/>
+            <a:chExt cx="465295" cy="429840"/>
+          </a:xfrm>
+        </p:grpSpPr>
+        <p:sp>
+          <p:nvSpPr>
+            <p:cNvPr id="84" name="타원 83"/>
+            <p:cNvSpPr/>
+            <p:nvPr/>
+          </p:nvSpPr>
+          <p:spPr>
+            <a:xfrm>
+              <a:off x="5764817" y="2081712"/>
+              <a:ext cx="254984" cy="254984"/>
+            </a:xfrm>
+            <a:prstGeom prst="ellipse">
+              <a:avLst/>
+            </a:prstGeom>
+            <a:noFill/>
+            <a:ln w="38100">
+              <a:solidFill>
+                <a:schemeClr val="accent1"/>
+              </a:solidFill>
+            </a:ln>
+          </p:spPr>
+          <p:style>
+            <a:lnRef idx="2">
+              <a:schemeClr val="accent1">
+                <a:shade val="50000"/>
+              </a:schemeClr>
+            </a:lnRef>
+            <a:fillRef idx="1">
+              <a:schemeClr val="accent1"/>
+            </a:fillRef>
+            <a:effectRef idx="0">
+              <a:schemeClr val="accent1"/>
+            </a:effectRef>
+            <a:fontRef idx="minor">
+              <a:schemeClr val="lt1"/>
+            </a:fontRef>
+          </p:style>
+          <p:txBody>
+            <a:bodyPr rtlCol="0" anchor="ctr"/>
+            <a:lstStyle/>
+            <a:p>
+              <a:pPr algn="ctr"/>
+              <a:endParaRPr lang="ko-KR" altLang="en-US"/>
+            </a:p>
+          </p:txBody>
+        </p:sp>
+        <p:cxnSp>
+          <p:nvCxnSpPr>
+            <p:cNvPr id="85" name="직선 연결선 84"/>
+            <p:cNvCxnSpPr>
+              <a:endCxn id="84" idx="5"/>
+            </p:cNvCxnSpPr>
+            <p:nvPr/>
+          </p:nvCxnSpPr>
+          <p:spPr>
+            <a:xfrm flipH="1" flipV="1">
+              <a:off x="5982459" y="2299354"/>
+              <a:ext cx="247653" cy="212198"/>
+            </a:xfrm>
+            <a:prstGeom prst="line">
+              <a:avLst/>
+            </a:prstGeom>
+            <a:ln w="38100">
+              <a:headEnd type="stealth" w="lg" len="lg"/>
+            </a:ln>
+          </p:spPr>
+          <p:style>
+            <a:lnRef idx="1">
+              <a:schemeClr val="accent1"/>
+            </a:lnRef>
+            <a:fillRef idx="0">
+              <a:schemeClr val="accent1"/>
+            </a:fillRef>
+            <a:effectRef idx="0">
+              <a:schemeClr val="accent1"/>
+            </a:effectRef>
+            <a:fontRef idx="minor">
+              <a:schemeClr val="tx1"/>
+            </a:fontRef>
+          </p:style>
+        </p:cxnSp>
+      </p:grpSp>
+      <p:sp>
+        <p:nvSpPr>
+          <p:cNvPr id="86" name="TextBox 85"/>
+          <p:cNvSpPr txBox="1"/>
+          <p:nvPr/>
+        </p:nvSpPr>
+        <p:spPr>
+          <a:xfrm rot="4709987">
+            <a:off x="6404367" y="2595424"/>
+            <a:ext cx="657552" cy="261610"/>
+          </a:xfrm>
+          <a:prstGeom prst="rect">
+            <a:avLst/>
+          </a:prstGeom>
+          <a:noFill/>
+        </p:spPr>
+        <p:txBody>
+          <a:bodyPr wrap="none" rtlCol="0">
+            <a:spAutoFit/>
+          </a:bodyPr>
+          <a:lstStyle/>
+          <a:p>
+            <a:pPr algn="ctr"/>
+            <a:r>
+              <a:rPr lang="ko-KR" altLang="en-US" sz="1100" dirty="0"/>
+              <a:t>화면 명</a:t>
+            </a:r>
+            <a:endParaRPr lang="ko-KR" altLang="en-US" sz="1600" dirty="0"/>
+          </a:p>
+        </p:txBody>
+      </p:sp>
+      <p:sp>
+        <p:nvSpPr>
+          <p:cNvPr id="87" name="TextBox 86"/>
+          <p:cNvSpPr txBox="1"/>
+          <p:nvPr/>
+        </p:nvSpPr>
+        <p:spPr>
+          <a:xfrm rot="4709987">
+            <a:off x="5271202" y="2748312"/>
+            <a:ext cx="798617" cy="430887"/>
+          </a:xfrm>
+          <a:prstGeom prst="rect">
+            <a:avLst/>
+          </a:prstGeom>
+          <a:noFill/>
+        </p:spPr>
+        <p:txBody>
+          <a:bodyPr wrap="none" rtlCol="0">
+            <a:spAutoFit/>
+          </a:bodyPr>
+          <a:lstStyle/>
+          <a:p>
+            <a:pPr algn="ctr"/>
+            <a:r>
+              <a:rPr lang="ko-KR" altLang="en-US" sz="1100" dirty="0"/>
+              <a:t>권한 확인</a:t>
+            </a:r>
+            <a:endParaRPr lang="en-US" altLang="ko-KR" sz="1100" dirty="0"/>
+          </a:p>
+          <a:p>
+            <a:pPr algn="ctr"/>
+            <a:r>
+              <a:rPr lang="ko-KR" altLang="en-US" sz="1100" dirty="0"/>
+              <a:t>정보</a:t>
+            </a:r>
+            <a:endParaRPr lang="ko-KR" altLang="en-US" sz="1600" dirty="0"/>
+          </a:p>
+        </p:txBody>
+      </p:sp>
+      <p:cxnSp>
+        <p:nvCxnSpPr>
+          <p:cNvPr id="88" name="직선 화살표 연결선 87"/>
+          <p:cNvCxnSpPr>
+            <a:stCxn id="75" idx="2"/>
+            <a:endCxn id="78" idx="0"/>
+          </p:cNvCxnSpPr>
+          <p:nvPr/>
+        </p:nvCxnSpPr>
+        <p:spPr>
+          <a:xfrm>
+            <a:off x="6144317" y="1863328"/>
+            <a:ext cx="178305" cy="1647165"/>
+          </a:xfrm>
+          <a:prstGeom prst="straightConnector1">
+            <a:avLst/>
+          </a:prstGeom>
+          <a:ln w="38100">
+            <a:headEnd w="lg" len="lg"/>
+            <a:tailEnd type="triangle"/>
+          </a:ln>
+        </p:spPr>
+        <p:style>
+          <a:lnRef idx="1">
+            <a:schemeClr val="accent1"/>
+          </a:lnRef>
+          <a:fillRef idx="0">
+            <a:schemeClr val="accent1"/>
+          </a:fillRef>
+          <a:effectRef idx="0">
+            <a:schemeClr val="accent1"/>
+          </a:effectRef>
+          <a:fontRef idx="minor">
+            <a:schemeClr val="tx1"/>
+          </a:fontRef>
+        </p:style>
+      </p:cxnSp>
+      <p:grpSp>
+        <p:nvGrpSpPr>
+          <p:cNvPr id="89" name="그룹 88"/>
+          <p:cNvGrpSpPr/>
+          <p:nvPr/>
+        </p:nvGrpSpPr>
+        <p:grpSpPr>
+          <a:xfrm rot="2228231">
+            <a:off x="5731063" y="2673668"/>
+            <a:ext cx="465295" cy="429840"/>
+            <a:chOff x="5764817" y="2081712"/>
+            <a:chExt cx="465295" cy="429840"/>
+          </a:xfrm>
+        </p:grpSpPr>
+        <p:sp>
+          <p:nvSpPr>
+            <p:cNvPr id="90" name="타원 89"/>
+            <p:cNvSpPr/>
+            <p:nvPr/>
+          </p:nvSpPr>
+          <p:spPr>
+            <a:xfrm>
+              <a:off x="5764817" y="2081712"/>
+              <a:ext cx="254984" cy="254984"/>
+            </a:xfrm>
+            <a:prstGeom prst="ellipse">
+              <a:avLst/>
+            </a:prstGeom>
+            <a:solidFill>
+              <a:schemeClr val="accent1"/>
+            </a:solidFill>
+            <a:ln w="38100">
+              <a:solidFill>
+                <a:schemeClr val="accent1"/>
+              </a:solidFill>
+            </a:ln>
+          </p:spPr>
+          <p:style>
+            <a:lnRef idx="2">
+              <a:schemeClr val="accent1">
+                <a:shade val="50000"/>
+              </a:schemeClr>
+            </a:lnRef>
+            <a:fillRef idx="1">
+              <a:schemeClr val="accent1"/>
+            </a:fillRef>
+            <a:effectRef idx="0">
+              <a:schemeClr val="accent1"/>
+            </a:effectRef>
+            <a:fontRef idx="minor">
+              <a:schemeClr val="lt1"/>
+            </a:fontRef>
+          </p:style>
+          <p:txBody>
+            <a:bodyPr rtlCol="0" anchor="ctr"/>
+            <a:lstStyle/>
+            <a:p>
+              <a:pPr algn="ctr"/>
+              <a:endParaRPr lang="ko-KR" altLang="en-US"/>
+            </a:p>
+          </p:txBody>
+        </p:sp>
+        <p:cxnSp>
+          <p:nvCxnSpPr>
+            <p:cNvPr id="91" name="직선 연결선 90"/>
+            <p:cNvCxnSpPr>
+              <a:endCxn id="90" idx="5"/>
+            </p:cNvCxnSpPr>
+            <p:nvPr/>
+          </p:nvCxnSpPr>
+          <p:spPr>
+            <a:xfrm flipH="1" flipV="1">
+              <a:off x="5982459" y="2299354"/>
+              <a:ext cx="247653" cy="212198"/>
+            </a:xfrm>
+            <a:prstGeom prst="line">
+              <a:avLst/>
+            </a:prstGeom>
+            <a:ln w="38100">
+              <a:headEnd type="stealth" w="lg" len="lg"/>
+            </a:ln>
+          </p:spPr>
+          <p:style>
+            <a:lnRef idx="1">
+              <a:schemeClr val="accent1"/>
+            </a:lnRef>
+            <a:fillRef idx="0">
+              <a:schemeClr val="accent1"/>
+            </a:fillRef>
+            <a:effectRef idx="0">
+              <a:schemeClr val="accent1"/>
+            </a:effectRef>
+            <a:fontRef idx="minor">
+              <a:schemeClr val="tx1"/>
+            </a:fontRef>
+          </p:style>
+        </p:cxnSp>
+      </p:grpSp>
+      <p:sp>
+        <p:nvSpPr>
+          <p:cNvPr id="92" name="직사각형 91"/>
+          <p:cNvSpPr/>
+          <p:nvPr/>
+        </p:nvSpPr>
+        <p:spPr>
+          <a:xfrm>
+            <a:off x="8132301" y="3515790"/>
+            <a:ext cx="1556992" cy="726131"/>
+          </a:xfrm>
+          <a:prstGeom prst="rect">
+            <a:avLst/>
+          </a:prstGeom>
+          <a:noFill/>
+          <a:ln w="31750">
+            <a:solidFill>
+              <a:schemeClr val="accent1">
+                <a:shade val="50000"/>
+              </a:schemeClr>
+            </a:solidFill>
+          </a:ln>
+        </p:spPr>
+        <p:style>
+          <a:lnRef idx="2">
+            <a:schemeClr val="accent1">
+              <a:shade val="50000"/>
+            </a:schemeClr>
+          </a:lnRef>
+          <a:fillRef idx="1">
+            <a:schemeClr val="accent1"/>
+          </a:fillRef>
+          <a:effectRef idx="0">
+            <a:schemeClr val="accent1"/>
+          </a:effectRef>
+          <a:fontRef idx="minor">
+            <a:schemeClr val="lt1"/>
+          </a:fontRef>
+        </p:style>
+        <p:txBody>
+          <a:bodyPr rtlCol="0" anchor="ctr"/>
+          <a:lstStyle/>
+          <a:p>
+            <a:pPr algn="ctr"/>
+            <a:r>
+              <a:rPr lang="ko-KR" altLang="en-US" sz="1100" dirty="0">
+                <a:solidFill>
+                  <a:schemeClr val="tx1"/>
+                </a:solidFill>
+              </a:rPr>
+              <a:t>강의 평가 질문 조회</a:t>
+            </a:r>
+            <a:endParaRPr lang="en-US" altLang="ko-KR" sz="1100" dirty="0">
+              <a:solidFill>
+                <a:schemeClr val="tx1"/>
+              </a:solidFill>
+            </a:endParaRPr>
+          </a:p>
+        </p:txBody>
+      </p:sp>
+      <p:cxnSp>
+        <p:nvCxnSpPr>
+          <p:cNvPr id="93" name="직선 화살표 연결선 92"/>
+          <p:cNvCxnSpPr>
+            <a:stCxn id="75" idx="2"/>
+            <a:endCxn id="92" idx="0"/>
+          </p:cNvCxnSpPr>
+          <p:nvPr/>
+        </p:nvCxnSpPr>
+        <p:spPr>
+          <a:xfrm>
+            <a:off x="6144317" y="1863328"/>
+            <a:ext cx="2766480" cy="1652462"/>
+          </a:xfrm>
+          <a:prstGeom prst="straightConnector1">
+            <a:avLst/>
+          </a:prstGeom>
+          <a:ln w="38100">
+            <a:headEnd w="lg" len="lg"/>
+            <a:tailEnd type="triangle"/>
+          </a:ln>
+        </p:spPr>
+        <p:style>
+          <a:lnRef idx="1">
+            <a:schemeClr val="accent1"/>
+          </a:lnRef>
+          <a:fillRef idx="0">
+            <a:schemeClr val="accent1"/>
+          </a:fillRef>
+          <a:effectRef idx="0">
+            <a:schemeClr val="accent1"/>
+          </a:effectRef>
+          <a:fontRef idx="minor">
+            <a:schemeClr val="tx1"/>
+          </a:fontRef>
+        </p:style>
+      </p:cxnSp>
+      <p:grpSp>
+        <p:nvGrpSpPr>
+          <p:cNvPr id="94" name="그룹 93"/>
+          <p:cNvGrpSpPr/>
+          <p:nvPr/>
+        </p:nvGrpSpPr>
+        <p:grpSpPr>
+          <a:xfrm rot="16791279">
+            <a:off x="4473212" y="2795239"/>
+            <a:ext cx="465295" cy="429840"/>
+            <a:chOff x="5764817" y="2081712"/>
+            <a:chExt cx="465295" cy="429840"/>
+          </a:xfrm>
+        </p:grpSpPr>
+        <p:sp>
+          <p:nvSpPr>
+            <p:cNvPr id="95" name="타원 94"/>
+            <p:cNvSpPr/>
+            <p:nvPr/>
+          </p:nvSpPr>
+          <p:spPr>
+            <a:xfrm>
+              <a:off x="5764817" y="2081712"/>
+              <a:ext cx="254984" cy="254984"/>
+            </a:xfrm>
+            <a:prstGeom prst="ellipse">
+              <a:avLst/>
+            </a:prstGeom>
+            <a:solidFill>
+              <a:schemeClr val="accent1"/>
+            </a:solidFill>
+            <a:ln w="38100">
+              <a:solidFill>
+                <a:schemeClr val="accent1"/>
+              </a:solidFill>
+            </a:ln>
+          </p:spPr>
+          <p:style>
+            <a:lnRef idx="2">
+              <a:schemeClr val="accent1">
+                <a:shade val="50000"/>
+              </a:schemeClr>
+            </a:lnRef>
+            <a:fillRef idx="1">
+              <a:schemeClr val="accent1"/>
+            </a:fillRef>
+            <a:effectRef idx="0">
+              <a:schemeClr val="accent1"/>
+            </a:effectRef>
+            <a:fontRef idx="minor">
+              <a:schemeClr val="lt1"/>
+            </a:fontRef>
+          </p:style>
+          <p:txBody>
+            <a:bodyPr rtlCol="0" anchor="ctr"/>
+            <a:lstStyle/>
+            <a:p>
+              <a:pPr algn="ctr"/>
+              <a:endParaRPr lang="ko-KR" altLang="en-US"/>
+            </a:p>
+          </p:txBody>
+        </p:sp>
+        <p:cxnSp>
+          <p:nvCxnSpPr>
+            <p:cNvPr id="96" name="직선 연결선 95"/>
+            <p:cNvCxnSpPr>
+              <a:endCxn id="95" idx="5"/>
+            </p:cNvCxnSpPr>
+            <p:nvPr/>
+          </p:nvCxnSpPr>
+          <p:spPr>
+            <a:xfrm flipH="1" flipV="1">
+              <a:off x="5982459" y="2299354"/>
+              <a:ext cx="247653" cy="212198"/>
+            </a:xfrm>
+            <a:prstGeom prst="line">
+              <a:avLst/>
+            </a:prstGeom>
+            <a:ln w="38100">
+              <a:headEnd type="stealth" w="lg" len="lg"/>
+            </a:ln>
+          </p:spPr>
+          <p:style>
+            <a:lnRef idx="1">
+              <a:schemeClr val="accent1"/>
+            </a:lnRef>
+            <a:fillRef idx="0">
+              <a:schemeClr val="accent1"/>
+            </a:fillRef>
+            <a:effectRef idx="0">
+              <a:schemeClr val="accent1"/>
+            </a:effectRef>
+            <a:fontRef idx="minor">
+              <a:schemeClr val="tx1"/>
+            </a:fontRef>
+          </p:style>
+        </p:cxnSp>
+      </p:grpSp>
+      <p:sp>
+        <p:nvSpPr>
+          <p:cNvPr id="97" name="TextBox 96"/>
+          <p:cNvSpPr txBox="1"/>
+          <p:nvPr/>
+        </p:nvSpPr>
+        <p:spPr>
+          <a:xfrm rot="18901443">
+            <a:off x="4551289" y="3077052"/>
+            <a:ext cx="798617" cy="430887"/>
+          </a:xfrm>
+          <a:prstGeom prst="rect">
+            <a:avLst/>
+          </a:prstGeom>
+          <a:noFill/>
+        </p:spPr>
+        <p:txBody>
+          <a:bodyPr wrap="none" rtlCol="0">
+            <a:spAutoFit/>
+          </a:bodyPr>
+          <a:lstStyle/>
+          <a:p>
+            <a:pPr algn="ctr"/>
+            <a:r>
+              <a:rPr lang="ko-KR" altLang="en-US" sz="1100" dirty="0"/>
+              <a:t>권한 확인</a:t>
+            </a:r>
+            <a:endParaRPr lang="en-US" altLang="ko-KR" sz="1100" dirty="0"/>
+          </a:p>
+          <a:p>
+            <a:pPr algn="ctr"/>
+            <a:r>
+              <a:rPr lang="ko-KR" altLang="en-US" sz="1100" dirty="0"/>
+              <a:t>정보</a:t>
+            </a:r>
+            <a:endParaRPr lang="ko-KR" altLang="en-US" sz="1600" dirty="0"/>
+          </a:p>
+        </p:txBody>
+      </p:sp>
+      <p:grpSp>
+        <p:nvGrpSpPr>
+          <p:cNvPr id="98" name="그룹 97"/>
+          <p:cNvGrpSpPr/>
+          <p:nvPr/>
+        </p:nvGrpSpPr>
+        <p:grpSpPr>
+          <a:xfrm rot="21416685">
+            <a:off x="7402477" y="2275347"/>
+            <a:ext cx="465295" cy="429840"/>
+            <a:chOff x="5764817" y="2081712"/>
+            <a:chExt cx="465295" cy="429840"/>
+          </a:xfrm>
+        </p:grpSpPr>
+        <p:sp>
+          <p:nvSpPr>
+            <p:cNvPr id="99" name="타원 98"/>
+            <p:cNvSpPr/>
+            <p:nvPr/>
+          </p:nvSpPr>
+          <p:spPr>
+            <a:xfrm>
+              <a:off x="5764817" y="2081712"/>
+              <a:ext cx="254984" cy="254984"/>
+            </a:xfrm>
+            <a:prstGeom prst="ellipse">
+              <a:avLst/>
+            </a:prstGeom>
+            <a:solidFill>
+              <a:schemeClr val="accent1"/>
+            </a:solidFill>
+            <a:ln w="38100">
+              <a:solidFill>
+                <a:schemeClr val="accent1"/>
+              </a:solidFill>
+            </a:ln>
+          </p:spPr>
+          <p:style>
+            <a:lnRef idx="2">
+              <a:schemeClr val="accent1">
+                <a:shade val="50000"/>
+              </a:schemeClr>
+            </a:lnRef>
+            <a:fillRef idx="1">
+              <a:schemeClr val="accent1"/>
+            </a:fillRef>
+            <a:effectRef idx="0">
+              <a:schemeClr val="accent1"/>
+            </a:effectRef>
+            <a:fontRef idx="minor">
+              <a:schemeClr val="lt1"/>
+            </a:fontRef>
+          </p:style>
+          <p:txBody>
+            <a:bodyPr rtlCol="0" anchor="ctr"/>
+            <a:lstStyle/>
+            <a:p>
+              <a:pPr algn="ctr"/>
+              <a:endParaRPr lang="ko-KR" altLang="en-US"/>
+            </a:p>
+          </p:txBody>
+        </p:sp>
+        <p:cxnSp>
+          <p:nvCxnSpPr>
+            <p:cNvPr id="100" name="직선 연결선 99"/>
+            <p:cNvCxnSpPr>
+              <a:endCxn id="99" idx="5"/>
+            </p:cNvCxnSpPr>
+            <p:nvPr/>
+          </p:nvCxnSpPr>
+          <p:spPr>
+            <a:xfrm flipH="1" flipV="1">
+              <a:off x="5982459" y="2299354"/>
+              <a:ext cx="247653" cy="212198"/>
+            </a:xfrm>
+            <a:prstGeom prst="line">
+              <a:avLst/>
+            </a:prstGeom>
+            <a:ln w="38100">
+              <a:headEnd type="stealth" w="lg" len="lg"/>
+            </a:ln>
+          </p:spPr>
+          <p:style>
+            <a:lnRef idx="1">
+              <a:schemeClr val="accent1"/>
+            </a:lnRef>
+            <a:fillRef idx="0">
+              <a:schemeClr val="accent1"/>
+            </a:fillRef>
+            <a:effectRef idx="0">
+              <a:schemeClr val="accent1"/>
+            </a:effectRef>
+            <a:fontRef idx="minor">
+              <a:schemeClr val="tx1"/>
+            </a:fontRef>
+          </p:style>
+        </p:cxnSp>
+      </p:grpSp>
+      <p:sp>
+        <p:nvSpPr>
+          <p:cNvPr id="101" name="TextBox 100"/>
+          <p:cNvSpPr txBox="1"/>
+          <p:nvPr/>
+        </p:nvSpPr>
+        <p:spPr>
+          <a:xfrm rot="2373847">
+            <a:off x="7479588" y="2068309"/>
+            <a:ext cx="798617" cy="430887"/>
+          </a:xfrm>
+          <a:prstGeom prst="rect">
+            <a:avLst/>
+          </a:prstGeom>
+          <a:noFill/>
+        </p:spPr>
+        <p:txBody>
+          <a:bodyPr wrap="none" rtlCol="0">
+            <a:spAutoFit/>
+          </a:bodyPr>
+          <a:lstStyle/>
+          <a:p>
+            <a:pPr algn="ctr"/>
+            <a:r>
+              <a:rPr lang="ko-KR" altLang="en-US" sz="1100" dirty="0"/>
+              <a:t>권한 확인</a:t>
+            </a:r>
+            <a:endParaRPr lang="en-US" altLang="ko-KR" sz="1100" dirty="0"/>
+          </a:p>
+          <a:p>
+            <a:pPr algn="ctr"/>
             <a:r>
               <a:rPr lang="ko-KR" altLang="en-US" sz="1100" dirty="0"/>
               <a:t>정보</a:t>

--- a/SDD 관련 자료/작업 결과물/처리 모형도/강의평가질문조회.pptx
+++ b/SDD 관련 자료/작업 결과물/처리 모형도/강의평가질문조회.pptx
@@ -4274,8 +4274,16 @@
           </a:p>
           <a:p>
             <a:r>
-              <a:rPr lang="ko-KR" altLang="en-US" sz="1100"/>
-              <a:t>   결과 </a:t>
+              <a:rPr lang="ko-KR" altLang="en-US" sz="1100" dirty="0"/>
+              <a:t>   </a:t>
+            </a:r>
+            <a:r>
+              <a:rPr lang="ko-KR" altLang="en-US" sz="1100" dirty="0" smtClean="0"/>
+              <a:t>질문</a:t>
+            </a:r>
+            <a:r>
+              <a:rPr lang="ko-KR" altLang="en-US" sz="1100" dirty="0" smtClean="0"/>
+              <a:t> </a:t>
             </a:r>
             <a:r>
               <a:rPr lang="ko-KR" altLang="en-US" sz="1100" dirty="0"/>

--- a/SDD 관련 자료/작업 결과물/처리 모형도/강의평가질문조회.pptx
+++ b/SDD 관련 자료/작업 결과물/처리 모형도/강의평가질문조회.pptx
@@ -3708,254 +3708,6 @@
           </a:p>
         </p:txBody>
       </p:sp>
-      <p:grpSp>
-        <p:nvGrpSpPr>
-          <p:cNvPr id="31" name="그룹 30"/>
-          <p:cNvGrpSpPr/>
-          <p:nvPr/>
-        </p:nvGrpSpPr>
-        <p:grpSpPr>
-          <a:xfrm>
-            <a:off x="6268931" y="8266216"/>
-            <a:ext cx="1561933" cy="676405"/>
-            <a:chOff x="8118153" y="2442575"/>
-            <a:chExt cx="1561933" cy="676405"/>
-          </a:xfrm>
-        </p:grpSpPr>
-        <p:cxnSp>
-          <p:nvCxnSpPr>
-            <p:cNvPr id="32" name="직선 연결선 31"/>
-            <p:cNvCxnSpPr/>
-            <p:nvPr/>
-          </p:nvCxnSpPr>
-          <p:spPr>
-            <a:xfrm>
-              <a:off x="8118153" y="2442575"/>
-              <a:ext cx="1560286" cy="0"/>
-            </a:xfrm>
-            <a:prstGeom prst="line">
-              <a:avLst/>
-            </a:prstGeom>
-            <a:ln w="38100">
-              <a:solidFill>
-                <a:srgbClr val="41719C"/>
-              </a:solidFill>
-            </a:ln>
-          </p:spPr>
-          <p:style>
-            <a:lnRef idx="1">
-              <a:schemeClr val="accent1"/>
-            </a:lnRef>
-            <a:fillRef idx="0">
-              <a:schemeClr val="accent1"/>
-            </a:fillRef>
-            <a:effectRef idx="0">
-              <a:schemeClr val="accent1"/>
-            </a:effectRef>
-            <a:fontRef idx="minor">
-              <a:schemeClr val="tx1"/>
-            </a:fontRef>
-          </p:style>
-        </p:cxnSp>
-        <p:cxnSp>
-          <p:nvCxnSpPr>
-            <p:cNvPr id="33" name="직선 연결선 32"/>
-            <p:cNvCxnSpPr/>
-            <p:nvPr/>
-          </p:nvCxnSpPr>
-          <p:spPr>
-            <a:xfrm>
-              <a:off x="8119800" y="3118980"/>
-              <a:ext cx="1560286" cy="0"/>
-            </a:xfrm>
-            <a:prstGeom prst="line">
-              <a:avLst/>
-            </a:prstGeom>
-            <a:ln w="38100">
-              <a:solidFill>
-                <a:srgbClr val="41719C"/>
-              </a:solidFill>
-            </a:ln>
-          </p:spPr>
-          <p:style>
-            <a:lnRef idx="1">
-              <a:schemeClr val="accent1"/>
-            </a:lnRef>
-            <a:fillRef idx="0">
-              <a:schemeClr val="accent1"/>
-            </a:fillRef>
-            <a:effectRef idx="0">
-              <a:schemeClr val="accent1"/>
-            </a:effectRef>
-            <a:fontRef idx="minor">
-              <a:schemeClr val="tx1"/>
-            </a:fontRef>
-          </p:style>
-        </p:cxnSp>
-        <p:sp>
-          <p:nvSpPr>
-            <p:cNvPr id="34" name="직사각형 33"/>
-            <p:cNvSpPr/>
-            <p:nvPr/>
-          </p:nvSpPr>
-          <p:spPr>
-            <a:xfrm>
-              <a:off x="8217074" y="2530257"/>
-              <a:ext cx="1377863" cy="502203"/>
-            </a:xfrm>
-            <a:prstGeom prst="rect">
-              <a:avLst/>
-            </a:prstGeom>
-            <a:solidFill>
-              <a:schemeClr val="bg1"/>
-            </a:solidFill>
-            <a:ln>
-              <a:noFill/>
-            </a:ln>
-          </p:spPr>
-          <p:style>
-            <a:lnRef idx="2">
-              <a:schemeClr val="accent1">
-                <a:shade val="50000"/>
-              </a:schemeClr>
-            </a:lnRef>
-            <a:fillRef idx="1">
-              <a:schemeClr val="accent1"/>
-            </a:fillRef>
-            <a:effectRef idx="0">
-              <a:schemeClr val="accent1"/>
-            </a:effectRef>
-            <a:fontRef idx="minor">
-              <a:schemeClr val="lt1"/>
-            </a:fontRef>
-          </p:style>
-          <p:txBody>
-            <a:bodyPr rtlCol="0" anchor="ctr"/>
-            <a:lstStyle>
-              <a:defPPr>
-                <a:defRPr lang="ko-KR"/>
-              </a:defPPr>
-              <a:lvl1pPr marL="0" algn="l" defTabSz="914400" rtl="0" eaLnBrk="1" latinLnBrk="1" hangingPunct="1">
-                <a:defRPr sz="1800" kern="1200">
-                  <a:solidFill>
-                    <a:schemeClr val="lt1"/>
-                  </a:solidFill>
-                  <a:latin typeface="+mn-lt"/>
-                  <a:ea typeface="+mn-ea"/>
-                  <a:cs typeface="+mn-cs"/>
-                </a:defRPr>
-              </a:lvl1pPr>
-              <a:lvl2pPr marL="457200" algn="l" defTabSz="914400" rtl="0" eaLnBrk="1" latinLnBrk="1" hangingPunct="1">
-                <a:defRPr sz="1800" kern="1200">
-                  <a:solidFill>
-                    <a:schemeClr val="lt1"/>
-                  </a:solidFill>
-                  <a:latin typeface="+mn-lt"/>
-                  <a:ea typeface="+mn-ea"/>
-                  <a:cs typeface="+mn-cs"/>
-                </a:defRPr>
-              </a:lvl2pPr>
-              <a:lvl3pPr marL="914400" algn="l" defTabSz="914400" rtl="0" eaLnBrk="1" latinLnBrk="1" hangingPunct="1">
-                <a:defRPr sz="1800" kern="1200">
-                  <a:solidFill>
-                    <a:schemeClr val="lt1"/>
-                  </a:solidFill>
-                  <a:latin typeface="+mn-lt"/>
-                  <a:ea typeface="+mn-ea"/>
-                  <a:cs typeface="+mn-cs"/>
-                </a:defRPr>
-              </a:lvl3pPr>
-              <a:lvl4pPr marL="1371600" algn="l" defTabSz="914400" rtl="0" eaLnBrk="1" latinLnBrk="1" hangingPunct="1">
-                <a:defRPr sz="1800" kern="1200">
-                  <a:solidFill>
-                    <a:schemeClr val="lt1"/>
-                  </a:solidFill>
-                  <a:latin typeface="+mn-lt"/>
-                  <a:ea typeface="+mn-ea"/>
-                  <a:cs typeface="+mn-cs"/>
-                </a:defRPr>
-              </a:lvl4pPr>
-              <a:lvl5pPr marL="1828800" algn="l" defTabSz="914400" rtl="0" eaLnBrk="1" latinLnBrk="1" hangingPunct="1">
-                <a:defRPr sz="1800" kern="1200">
-                  <a:solidFill>
-                    <a:schemeClr val="lt1"/>
-                  </a:solidFill>
-                  <a:latin typeface="+mn-lt"/>
-                  <a:ea typeface="+mn-ea"/>
-                  <a:cs typeface="+mn-cs"/>
-                </a:defRPr>
-              </a:lvl5pPr>
-              <a:lvl6pPr marL="2286000" algn="l" defTabSz="914400" rtl="0" eaLnBrk="1" latinLnBrk="1" hangingPunct="1">
-                <a:defRPr sz="1800" kern="1200">
-                  <a:solidFill>
-                    <a:schemeClr val="lt1"/>
-                  </a:solidFill>
-                  <a:latin typeface="+mn-lt"/>
-                  <a:ea typeface="+mn-ea"/>
-                  <a:cs typeface="+mn-cs"/>
-                </a:defRPr>
-              </a:lvl6pPr>
-              <a:lvl7pPr marL="2743200" algn="l" defTabSz="914400" rtl="0" eaLnBrk="1" latinLnBrk="1" hangingPunct="1">
-                <a:defRPr sz="1800" kern="1200">
-                  <a:solidFill>
-                    <a:schemeClr val="lt1"/>
-                  </a:solidFill>
-                  <a:latin typeface="+mn-lt"/>
-                  <a:ea typeface="+mn-ea"/>
-                  <a:cs typeface="+mn-cs"/>
-                </a:defRPr>
-              </a:lvl7pPr>
-              <a:lvl8pPr marL="3200400" algn="l" defTabSz="914400" rtl="0" eaLnBrk="1" latinLnBrk="1" hangingPunct="1">
-                <a:defRPr sz="1800" kern="1200">
-                  <a:solidFill>
-                    <a:schemeClr val="lt1"/>
-                  </a:solidFill>
-                  <a:latin typeface="+mn-lt"/>
-                  <a:ea typeface="+mn-ea"/>
-                  <a:cs typeface="+mn-cs"/>
-                </a:defRPr>
-              </a:lvl8pPr>
-              <a:lvl9pPr marL="3657600" algn="l" defTabSz="914400" rtl="0" eaLnBrk="1" latinLnBrk="1" hangingPunct="1">
-                <a:defRPr sz="1800" kern="1200">
-                  <a:solidFill>
-                    <a:schemeClr val="lt1"/>
-                  </a:solidFill>
-                  <a:latin typeface="+mn-lt"/>
-                  <a:ea typeface="+mn-ea"/>
-                  <a:cs typeface="+mn-cs"/>
-                </a:defRPr>
-              </a:lvl9pPr>
-            </a:lstStyle>
-            <a:p>
-              <a:pPr algn="ctr"/>
-              <a:r>
-                <a:rPr lang="ko-KR" altLang="en-US" sz="1100" dirty="0">
-                  <a:solidFill>
-                    <a:schemeClr val="tx1"/>
-                  </a:solidFill>
-                </a:rPr>
-                <a:t>강의평가 질문</a:t>
-              </a:r>
-              <a:endParaRPr lang="en-US" altLang="ko-KR" sz="1100" dirty="0">
-                <a:solidFill>
-                  <a:schemeClr val="tx1"/>
-                </a:solidFill>
-              </a:endParaRPr>
-            </a:p>
-            <a:p>
-              <a:pPr algn="ctr"/>
-              <a:r>
-                <a:rPr lang="ko-KR" altLang="en-US" sz="1100" dirty="0">
-                  <a:solidFill>
-                    <a:schemeClr val="tx1"/>
-                  </a:solidFill>
-                </a:rPr>
-                <a:t>리스트 정보</a:t>
-              </a:r>
-            </a:p>
-          </p:txBody>
-        </p:sp>
-      </p:grpSp>
       <p:cxnSp>
         <p:nvCxnSpPr>
           <p:cNvPr id="45" name="직선 화살표 연결선 44"/>
@@ -4275,19 +4027,7 @@
           <a:p>
             <a:r>
               <a:rPr lang="ko-KR" altLang="en-US" sz="1100" dirty="0"/>
-              <a:t>   </a:t>
-            </a:r>
-            <a:r>
-              <a:rPr lang="ko-KR" altLang="en-US" sz="1100" dirty="0" smtClean="0"/>
-              <a:t>질문</a:t>
-            </a:r>
-            <a:r>
-              <a:rPr lang="ko-KR" altLang="en-US" sz="1100" dirty="0" smtClean="0"/>
-              <a:t> </a:t>
-            </a:r>
-            <a:r>
-              <a:rPr lang="ko-KR" altLang="en-US" sz="1100" dirty="0"/>
-              <a:t>정보</a:t>
+              <a:t>   질문 정보</a:t>
             </a:r>
             <a:endParaRPr lang="ko-KR" altLang="en-US" sz="1600" dirty="0"/>
           </a:p>
@@ -5291,6 +5031,69 @@
               <a:t>정보</a:t>
             </a:r>
             <a:endParaRPr lang="ko-KR" altLang="en-US" sz="1600" dirty="0"/>
+          </a:p>
+        </p:txBody>
+      </p:sp>
+      <p:sp>
+        <p:nvSpPr>
+          <p:cNvPr id="64" name="직사각형 63"/>
+          <p:cNvSpPr/>
+          <p:nvPr/>
+        </p:nvSpPr>
+        <p:spPr>
+          <a:xfrm>
+            <a:off x="6289473" y="8240848"/>
+            <a:ext cx="1556992" cy="726131"/>
+          </a:xfrm>
+          <a:prstGeom prst="rect">
+            <a:avLst/>
+          </a:prstGeom>
+          <a:noFill/>
+          <a:ln w="31750">
+            <a:solidFill>
+              <a:schemeClr val="accent1">
+                <a:shade val="50000"/>
+              </a:schemeClr>
+            </a:solidFill>
+          </a:ln>
+        </p:spPr>
+        <p:style>
+          <a:lnRef idx="2">
+            <a:schemeClr val="accent1">
+              <a:shade val="50000"/>
+            </a:schemeClr>
+          </a:lnRef>
+          <a:fillRef idx="1">
+            <a:schemeClr val="accent1"/>
+          </a:fillRef>
+          <a:effectRef idx="0">
+            <a:schemeClr val="accent1"/>
+          </a:effectRef>
+          <a:fontRef idx="minor">
+            <a:schemeClr val="lt1"/>
+          </a:fontRef>
+        </p:style>
+        <p:txBody>
+          <a:bodyPr rtlCol="0" anchor="ctr"/>
+          <a:lstStyle/>
+          <a:p>
+            <a:pPr algn="ctr"/>
+            <a:r>
+              <a:rPr lang="ko-KR" altLang="en-US" sz="1100">
+                <a:solidFill>
+                  <a:sysClr val="windowText" lastClr="000000"/>
+                </a:solidFill>
+              </a:rPr>
+              <a:t>강의평가 질문 </a:t>
+            </a:r>
+            <a:r>
+              <a:rPr lang="ko-KR" altLang="en-US" sz="1100" dirty="0">
+                <a:solidFill>
+                  <a:sysClr val="windowText" lastClr="000000"/>
+                </a:solidFill>
+              </a:rPr>
+              <a:t>정보 읽음</a:t>
+            </a:r>
           </a:p>
         </p:txBody>
       </p:sp>
